--- a/docs/songs_23-01-2022.pptx
+++ b/docs/songs_23-01-2022.pptx
@@ -6,30 +6,41 @@
   </p:sldMasterIdLst>
   <p:sldIdLst>
     <p:sldId id="459" r:id="rId2"/>
-    <p:sldId id="521" r:id="rId3"/>
-    <p:sldId id="522" r:id="rId4"/>
-    <p:sldId id="523" r:id="rId5"/>
-    <p:sldId id="524" r:id="rId6"/>
-    <p:sldId id="530" r:id="rId7"/>
-    <p:sldId id="527" r:id="rId8"/>
-    <p:sldId id="404" r:id="rId9"/>
-    <p:sldId id="387" r:id="rId10"/>
-    <p:sldId id="403" r:id="rId11"/>
-    <p:sldId id="528" r:id="rId12"/>
-    <p:sldId id="529" r:id="rId13"/>
-    <p:sldId id="481" r:id="rId14"/>
-    <p:sldId id="512" r:id="rId15"/>
-    <p:sldId id="514" r:id="rId16"/>
-    <p:sldId id="423" r:id="rId17"/>
-    <p:sldId id="424" r:id="rId18"/>
-    <p:sldId id="425" r:id="rId19"/>
-    <p:sldId id="426" r:id="rId20"/>
-    <p:sldId id="515" r:id="rId21"/>
-    <p:sldId id="525" r:id="rId22"/>
-    <p:sldId id="526" r:id="rId23"/>
-    <p:sldId id="460" r:id="rId24"/>
-    <p:sldId id="477" r:id="rId25"/>
-    <p:sldId id="478" r:id="rId26"/>
+    <p:sldId id="479" r:id="rId3"/>
+    <p:sldId id="480" r:id="rId4"/>
+    <p:sldId id="532" r:id="rId5"/>
+    <p:sldId id="521" r:id="rId6"/>
+    <p:sldId id="522" r:id="rId7"/>
+    <p:sldId id="523" r:id="rId8"/>
+    <p:sldId id="524" r:id="rId9"/>
+    <p:sldId id="530" r:id="rId10"/>
+    <p:sldId id="531" r:id="rId11"/>
+    <p:sldId id="466" r:id="rId12"/>
+    <p:sldId id="467" r:id="rId13"/>
+    <p:sldId id="468" r:id="rId14"/>
+    <p:sldId id="469" r:id="rId15"/>
+    <p:sldId id="470" r:id="rId16"/>
+    <p:sldId id="460" r:id="rId17"/>
+    <p:sldId id="477" r:id="rId18"/>
+    <p:sldId id="478" r:id="rId19"/>
+    <p:sldId id="481" r:id="rId20"/>
+    <p:sldId id="512" r:id="rId21"/>
+    <p:sldId id="514" r:id="rId22"/>
+    <p:sldId id="533" r:id="rId23"/>
+    <p:sldId id="534" r:id="rId24"/>
+    <p:sldId id="527" r:id="rId25"/>
+    <p:sldId id="404" r:id="rId26"/>
+    <p:sldId id="387" r:id="rId27"/>
+    <p:sldId id="403" r:id="rId28"/>
+    <p:sldId id="528" r:id="rId29"/>
+    <p:sldId id="529" r:id="rId30"/>
+    <p:sldId id="423" r:id="rId31"/>
+    <p:sldId id="424" r:id="rId32"/>
+    <p:sldId id="425" r:id="rId33"/>
+    <p:sldId id="426" r:id="rId34"/>
+    <p:sldId id="515" r:id="rId35"/>
+    <p:sldId id="525" r:id="rId36"/>
+    <p:sldId id="526" r:id="rId37"/>
   </p:sldIdLst>
   <p:sldSz cx="9144000" cy="6858000" type="screen4x3"/>
   <p:notesSz cx="6858000" cy="9144000"/>
@@ -329,7 +340,7 @@
             <a:fld id="{26EA1CF3-4A15-4CBF-9A5A-6A56C368BE71}" type="datetimeFigureOut">
               <a:rPr lang="en-GB" smtClean="0"/>
               <a:pPr/>
-              <a:t>17/01/2022</a:t>
+              <a:t>22/01/2022</a:t>
             </a:fld>
             <a:endParaRPr lang="en-GB"/>
           </a:p>
@@ -496,7 +507,7 @@
             <a:fld id="{26EA1CF3-4A15-4CBF-9A5A-6A56C368BE71}" type="datetimeFigureOut">
               <a:rPr lang="en-GB" smtClean="0"/>
               <a:pPr/>
-              <a:t>17/01/2022</a:t>
+              <a:t>22/01/2022</a:t>
             </a:fld>
             <a:endParaRPr lang="en-GB"/>
           </a:p>
@@ -673,7 +684,7 @@
             <a:fld id="{26EA1CF3-4A15-4CBF-9A5A-6A56C368BE71}" type="datetimeFigureOut">
               <a:rPr lang="en-GB" smtClean="0"/>
               <a:pPr/>
-              <a:t>17/01/2022</a:t>
+              <a:t>22/01/2022</a:t>
             </a:fld>
             <a:endParaRPr lang="en-GB"/>
           </a:p>
@@ -840,7 +851,7 @@
             <a:fld id="{26EA1CF3-4A15-4CBF-9A5A-6A56C368BE71}" type="datetimeFigureOut">
               <a:rPr lang="en-GB" smtClean="0"/>
               <a:pPr/>
-              <a:t>17/01/2022</a:t>
+              <a:t>22/01/2022</a:t>
             </a:fld>
             <a:endParaRPr lang="en-GB"/>
           </a:p>
@@ -1083,7 +1094,7 @@
             <a:fld id="{26EA1CF3-4A15-4CBF-9A5A-6A56C368BE71}" type="datetimeFigureOut">
               <a:rPr lang="en-GB" smtClean="0"/>
               <a:pPr/>
-              <a:t>17/01/2022</a:t>
+              <a:t>22/01/2022</a:t>
             </a:fld>
             <a:endParaRPr lang="en-GB"/>
           </a:p>
@@ -1368,7 +1379,7 @@
             <a:fld id="{26EA1CF3-4A15-4CBF-9A5A-6A56C368BE71}" type="datetimeFigureOut">
               <a:rPr lang="en-GB" smtClean="0"/>
               <a:pPr/>
-              <a:t>17/01/2022</a:t>
+              <a:t>22/01/2022</a:t>
             </a:fld>
             <a:endParaRPr lang="en-GB"/>
           </a:p>
@@ -1787,7 +1798,7 @@
             <a:fld id="{26EA1CF3-4A15-4CBF-9A5A-6A56C368BE71}" type="datetimeFigureOut">
               <a:rPr lang="en-GB" smtClean="0"/>
               <a:pPr/>
-              <a:t>17/01/2022</a:t>
+              <a:t>22/01/2022</a:t>
             </a:fld>
             <a:endParaRPr lang="en-GB"/>
           </a:p>
@@ -1902,7 +1913,7 @@
             <a:fld id="{26EA1CF3-4A15-4CBF-9A5A-6A56C368BE71}" type="datetimeFigureOut">
               <a:rPr lang="en-GB" smtClean="0"/>
               <a:pPr/>
-              <a:t>17/01/2022</a:t>
+              <a:t>22/01/2022</a:t>
             </a:fld>
             <a:endParaRPr lang="en-GB"/>
           </a:p>
@@ -1994,7 +2005,7 @@
             <a:fld id="{26EA1CF3-4A15-4CBF-9A5A-6A56C368BE71}" type="datetimeFigureOut">
               <a:rPr lang="en-GB" smtClean="0"/>
               <a:pPr/>
-              <a:t>17/01/2022</a:t>
+              <a:t>22/01/2022</a:t>
             </a:fld>
             <a:endParaRPr lang="en-GB"/>
           </a:p>
@@ -2268,7 +2279,7 @@
             <a:fld id="{26EA1CF3-4A15-4CBF-9A5A-6A56C368BE71}" type="datetimeFigureOut">
               <a:rPr lang="en-GB" smtClean="0"/>
               <a:pPr/>
-              <a:t>17/01/2022</a:t>
+              <a:t>22/01/2022</a:t>
             </a:fld>
             <a:endParaRPr lang="en-GB"/>
           </a:p>
@@ -2518,7 +2529,7 @@
             <a:fld id="{26EA1CF3-4A15-4CBF-9A5A-6A56C368BE71}" type="datetimeFigureOut">
               <a:rPr lang="en-GB" smtClean="0"/>
               <a:pPr/>
-              <a:t>17/01/2022</a:t>
+              <a:t>22/01/2022</a:t>
             </a:fld>
             <a:endParaRPr lang="en-GB"/>
           </a:p>
@@ -2731,7 +2742,7 @@
             <a:fld id="{26EA1CF3-4A15-4CBF-9A5A-6A56C368BE71}" type="datetimeFigureOut">
               <a:rPr lang="en-GB" smtClean="0"/>
               <a:pPr/>
-              <a:t>17/01/2022</a:t>
+              <a:t>22/01/2022</a:t>
             </a:fld>
             <a:endParaRPr lang="en-GB"/>
           </a:p>
@@ -3254,8 +3265,8 @@
         </p:nvSpPr>
         <p:spPr>
           <a:xfrm>
-            <a:off x="323528" y="0"/>
-            <a:ext cx="8640960" cy="6858000"/>
+            <a:off x="323528" y="188640"/>
+            <a:ext cx="8640960" cy="6480720"/>
           </a:xfrm>
         </p:spPr>
         <p:txBody>
@@ -3264,121 +3275,138 @@
           </a:bodyPr>
           <a:lstStyle/>
           <a:p>
-            <a:r>
-              <a:rPr lang="en-GB" sz="4700" dirty="0">
-                <a:solidFill>
-                  <a:schemeClr val="bg1"/>
-                </a:solidFill>
-              </a:rPr>
-              <a:t>Jesus be the </a:t>
-            </a:r>
-            <a:r>
-              <a:rPr lang="en-GB" sz="4700" dirty="0" err="1">
-                <a:solidFill>
-                  <a:schemeClr val="bg1"/>
-                </a:solidFill>
-              </a:rPr>
-              <a:t>center</a:t>
-            </a:r>
-            <a:r>
-              <a:rPr lang="en-GB" sz="4700" dirty="0">
-                <a:solidFill>
-                  <a:schemeClr val="bg1"/>
-                </a:solidFill>
-              </a:rPr>
-              <a:t> of my life</a:t>
-            </a:r>
-          </a:p>
-          <a:p>
-            <a:r>
-              <a:rPr lang="en-GB" sz="4700" dirty="0">
-                <a:solidFill>
-                  <a:schemeClr val="bg1"/>
-                </a:solidFill>
-              </a:rPr>
-              <a:t>Jesus be the </a:t>
-            </a:r>
-            <a:r>
-              <a:rPr lang="en-GB" sz="4700" dirty="0" err="1">
-                <a:solidFill>
-                  <a:schemeClr val="bg1"/>
-                </a:solidFill>
-              </a:rPr>
-              <a:t>center</a:t>
-            </a:r>
-            <a:r>
-              <a:rPr lang="en-GB" sz="4700" dirty="0">
-                <a:solidFill>
-                  <a:schemeClr val="bg1"/>
-                </a:solidFill>
-              </a:rPr>
-              <a:t> of my life</a:t>
-            </a:r>
-          </a:p>
-          <a:p>
-            <a:r>
-              <a:rPr lang="en-GB" sz="4700" dirty="0">
-                <a:solidFill>
-                  <a:schemeClr val="bg1"/>
-                </a:solidFill>
-              </a:rPr>
-              <a:t>From beginning to the end</a:t>
-            </a:r>
-          </a:p>
-          <a:p>
-            <a:r>
-              <a:rPr lang="en-GB" sz="4700" dirty="0">
-                <a:solidFill>
-                  <a:schemeClr val="bg1"/>
-                </a:solidFill>
-              </a:rPr>
-              <a:t>It will always be it's always been You Jesus </a:t>
-            </a:r>
-            <a:r>
-              <a:rPr lang="en-GB" sz="4700" dirty="0" err="1">
-                <a:solidFill>
-                  <a:schemeClr val="bg1"/>
-                </a:solidFill>
-              </a:rPr>
-              <a:t>Jesus</a:t>
-            </a:r>
-            <a:endParaRPr lang="en-GB" sz="4700" dirty="0">
+            <a:endParaRPr lang="en-GB" sz="5400" dirty="0">
               <a:solidFill>
                 <a:schemeClr val="bg1"/>
               </a:solidFill>
             </a:endParaRPr>
           </a:p>
-        </p:txBody>
-      </p:sp>
-      <p:sp>
-        <p:nvSpPr>
-          <p:cNvPr id="4" name="TextBox 3"/>
-          <p:cNvSpPr txBox="1"/>
-          <p:nvPr/>
-        </p:nvSpPr>
-        <p:spPr>
-          <a:xfrm>
-            <a:off x="8529729" y="0"/>
-            <a:ext cx="628698" cy="461665"/>
-          </a:xfrm>
-          <a:prstGeom prst="rect">
-            <a:avLst/>
-          </a:prstGeom>
-          <a:noFill/>
-        </p:spPr>
-        <p:txBody>
-          <a:bodyPr wrap="none" rtlCol="0">
-            <a:spAutoFit/>
-          </a:bodyPr>
-          <a:lstStyle/>
-          <a:p>
-            <a:r>
-              <a:rPr lang="en-GB" sz="2400" b="1" dirty="0">
-                <a:solidFill>
-                  <a:schemeClr val="bg1"/>
-                </a:solidFill>
-              </a:rPr>
-              <a:t>3/5</a:t>
+          <a:p>
+            <a:r>
+              <a:rPr lang="en-GB" sz="6600" b="0" i="0" dirty="0">
+                <a:solidFill>
+                  <a:srgbClr val="00A3E0"/>
+                </a:solidFill>
+                <a:effectLst/>
+                <a:latin typeface="akagi_probook"/>
+              </a:rPr>
+              <a:t>O Come </a:t>
+            </a:r>
+            <a:r>
+              <a:rPr lang="en-GB" sz="6600" dirty="0">
+                <a:solidFill>
+                  <a:srgbClr val="00A3E0"/>
+                </a:solidFill>
+                <a:latin typeface="akagi_probook"/>
+              </a:rPr>
+              <a:t>To The Altar</a:t>
+            </a:r>
+          </a:p>
+          <a:p>
+            <a:br>
+              <a:rPr lang="en-GB" sz="1200" dirty="0">
+                <a:solidFill>
+                  <a:schemeClr val="bg1"/>
+                </a:solidFill>
+              </a:rPr>
+            </a:br>
+            <a:r>
+              <a:rPr lang="en-GB" sz="1200" dirty="0">
+                <a:solidFill>
+                  <a:schemeClr val="bg1"/>
+                </a:solidFill>
+              </a:rPr>
+              <a:t>CCLI Song # 7051511</a:t>
+            </a:r>
+          </a:p>
+          <a:p>
+            <a:endParaRPr lang="en-GB" sz="1200" dirty="0">
+              <a:solidFill>
+                <a:schemeClr val="bg1"/>
+              </a:solidFill>
+            </a:endParaRPr>
+          </a:p>
+          <a:p>
+            <a:r>
+              <a:rPr lang="en-GB" sz="1200" dirty="0">
+                <a:solidFill>
+                  <a:schemeClr val="bg1"/>
+                </a:solidFill>
+              </a:rPr>
+              <a:t>Chris Brown | Mack Brock | Steven Furtick | Wade </a:t>
+            </a:r>
+            <a:r>
+              <a:rPr lang="en-GB" sz="1200" dirty="0" err="1">
+                <a:solidFill>
+                  <a:schemeClr val="bg1"/>
+                </a:solidFill>
+              </a:rPr>
+              <a:t>Joye</a:t>
+            </a:r>
+            <a:endParaRPr lang="en-GB" sz="1200" dirty="0">
+              <a:solidFill>
+                <a:schemeClr val="bg1"/>
+              </a:solidFill>
+            </a:endParaRPr>
+          </a:p>
+          <a:p>
+            <a:endParaRPr lang="en-GB" sz="1200" dirty="0">
+              <a:solidFill>
+                <a:schemeClr val="bg1"/>
+              </a:solidFill>
+            </a:endParaRPr>
+          </a:p>
+          <a:p>
+            <a:r>
+              <a:rPr lang="en-GB" sz="1200" dirty="0">
+                <a:solidFill>
+                  <a:schemeClr val="bg1"/>
+                </a:solidFill>
+              </a:rPr>
+              <a:t>© 2015 Music by Elevation Worship Publishing (Admin. by Essential Music Publishing LLC)</a:t>
+            </a:r>
+          </a:p>
+          <a:p>
+            <a:r>
+              <a:rPr lang="en-GB" sz="1200" dirty="0">
+                <a:solidFill>
+                  <a:schemeClr val="bg1"/>
+                </a:solidFill>
+              </a:rPr>
+              <a:t>For use solely with the </a:t>
+            </a:r>
+            <a:r>
+              <a:rPr lang="en-GB" sz="1200" dirty="0" err="1">
+                <a:solidFill>
+                  <a:schemeClr val="bg1"/>
+                </a:solidFill>
+              </a:rPr>
+              <a:t>SongSelect</a:t>
+            </a:r>
+            <a:r>
+              <a:rPr lang="en-GB" sz="1200" dirty="0">
+                <a:solidFill>
+                  <a:schemeClr val="bg1"/>
+                </a:solidFill>
+              </a:rPr>
+              <a:t>® Terms of Use. All rights reserved. www.ccli.com</a:t>
+            </a:r>
+          </a:p>
+          <a:p>
+            <a:endParaRPr lang="en-GB" sz="1200" dirty="0">
+              <a:solidFill>
+                <a:schemeClr val="bg1"/>
+              </a:solidFill>
+            </a:endParaRPr>
+          </a:p>
+          <a:p>
+            <a:r>
+              <a:rPr lang="en-GB" sz="1200" dirty="0">
+                <a:solidFill>
+                  <a:schemeClr val="bg1"/>
+                </a:solidFill>
+              </a:rPr>
+              <a:t>CCLI Licence No. 33265</a:t>
             </a:r>
           </a:p>
         </p:txBody>
@@ -3386,7 +3414,7 @@
     </p:spTree>
     <p:extLst>
       <p:ext uri="{BB962C8B-B14F-4D97-AF65-F5344CB8AC3E}">
-        <p14:creationId xmlns:p14="http://schemas.microsoft.com/office/powerpoint/2010/main" val="3461571171"/>
+        <p14:creationId xmlns:p14="http://schemas.microsoft.com/office/powerpoint/2010/main" val="3366877666"/>
       </p:ext>
     </p:extLst>
   </p:cSld>
@@ -3425,8 +3453,8 @@
         </p:nvSpPr>
         <p:spPr>
           <a:xfrm>
-            <a:off x="323528" y="0"/>
-            <a:ext cx="8640960" cy="6858000"/>
+            <a:off x="323528" y="188640"/>
+            <a:ext cx="8640960" cy="6480720"/>
           </a:xfrm>
         </p:spPr>
         <p:txBody>
@@ -3436,68 +3464,62 @@
           <a:lstStyle/>
           <a:p>
             <a:r>
-              <a:rPr lang="en-GB" sz="4700" dirty="0">
-                <a:solidFill>
-                  <a:schemeClr val="bg1"/>
-                </a:solidFill>
-              </a:rPr>
-              <a:t>From my heart to the heavens Jesus be the </a:t>
-            </a:r>
-            <a:r>
-              <a:rPr lang="en-GB" sz="4700" dirty="0" err="1">
-                <a:solidFill>
-                  <a:schemeClr val="bg1"/>
-                </a:solidFill>
-              </a:rPr>
-              <a:t>center</a:t>
-            </a:r>
-            <a:endParaRPr lang="en-GB" sz="4700" dirty="0">
-              <a:solidFill>
-                <a:schemeClr val="bg1"/>
-              </a:solidFill>
-            </a:endParaRPr>
-          </a:p>
-          <a:p>
-            <a:r>
-              <a:rPr lang="en-GB" sz="4700" dirty="0">
-                <a:solidFill>
-                  <a:schemeClr val="bg1"/>
-                </a:solidFill>
-              </a:rPr>
-              <a:t>It's all about You yes it's all about You</a:t>
-            </a:r>
-          </a:p>
-          <a:p>
-            <a:r>
-              <a:rPr lang="en-GB" sz="4700" dirty="0">
-                <a:solidFill>
-                  <a:schemeClr val="bg1"/>
-                </a:solidFill>
-              </a:rPr>
-              <a:t>From my heart to the heavens Jesus be the </a:t>
-            </a:r>
-            <a:r>
-              <a:rPr lang="en-GB" sz="4700" dirty="0" err="1">
-                <a:solidFill>
-                  <a:schemeClr val="bg1"/>
-                </a:solidFill>
-              </a:rPr>
-              <a:t>center</a:t>
-            </a:r>
-            <a:endParaRPr lang="en-GB" sz="4700" dirty="0">
-              <a:solidFill>
-                <a:schemeClr val="bg1"/>
-              </a:solidFill>
-            </a:endParaRPr>
-          </a:p>
-          <a:p>
-            <a:r>
-              <a:rPr lang="en-GB" sz="4700" dirty="0">
-                <a:solidFill>
-                  <a:schemeClr val="bg1"/>
-                </a:solidFill>
-              </a:rPr>
-              <a:t>It's all about You yes it's all about You</a:t>
+              <a:rPr lang="en-GB" sz="4300" dirty="0">
+                <a:solidFill>
+                  <a:schemeClr val="bg1"/>
+                </a:solidFill>
+              </a:rPr>
+              <a:t>Are you hurting and broken within</a:t>
+            </a:r>
+          </a:p>
+          <a:p>
+            <a:r>
+              <a:rPr lang="en-GB" sz="4300" dirty="0">
+                <a:solidFill>
+                  <a:schemeClr val="bg1"/>
+                </a:solidFill>
+              </a:rPr>
+              <a:t>Overwhelmed by the weight of your sin</a:t>
+            </a:r>
+          </a:p>
+          <a:p>
+            <a:r>
+              <a:rPr lang="en-GB" sz="4300" dirty="0">
+                <a:solidFill>
+                  <a:schemeClr val="bg1"/>
+                </a:solidFill>
+              </a:rPr>
+              <a:t>Jesus is calling</a:t>
+            </a:r>
+          </a:p>
+          <a:p>
+            <a:r>
+              <a:rPr lang="en-GB" sz="4300" dirty="0">
+                <a:solidFill>
+                  <a:schemeClr val="bg1"/>
+                </a:solidFill>
+              </a:rPr>
+              <a:t>Have you come to the end of yourself</a:t>
+            </a:r>
+          </a:p>
+          <a:p>
+            <a:r>
+              <a:rPr lang="en-GB" sz="4300" dirty="0">
+                <a:solidFill>
+                  <a:schemeClr val="bg1"/>
+                </a:solidFill>
+              </a:rPr>
+              <a:t>Do you thirst for a drink from the well</a:t>
+            </a:r>
+          </a:p>
+          <a:p>
+            <a:r>
+              <a:rPr lang="en-GB" sz="4300" dirty="0">
+                <a:solidFill>
+                  <a:schemeClr val="bg1"/>
+                </a:solidFill>
+              </a:rPr>
+              <a:t>Jesus is calling</a:t>
             </a:r>
           </a:p>
         </p:txBody>
@@ -3530,7 +3552,7 @@
                   <a:schemeClr val="bg1"/>
                 </a:solidFill>
               </a:rPr>
-              <a:t>4/5</a:t>
+              <a:t>1/5</a:t>
             </a:r>
           </a:p>
         </p:txBody>
@@ -3538,7 +3560,7 @@
     </p:spTree>
     <p:extLst>
       <p:ext uri="{BB962C8B-B14F-4D97-AF65-F5344CB8AC3E}">
-        <p14:creationId xmlns:p14="http://schemas.microsoft.com/office/powerpoint/2010/main" val="2467338979"/>
+        <p14:creationId xmlns:p14="http://schemas.microsoft.com/office/powerpoint/2010/main" val="3238900613"/>
       </p:ext>
     </p:extLst>
   </p:cSld>
@@ -3577,8 +3599,8 @@
         </p:nvSpPr>
         <p:spPr>
           <a:xfrm>
-            <a:off x="323528" y="588474"/>
-            <a:ext cx="8640960" cy="6269525"/>
+            <a:off x="323528" y="188640"/>
+            <a:ext cx="8640960" cy="6480720"/>
           </a:xfrm>
         </p:spPr>
         <p:txBody>
@@ -3588,106 +3610,42 @@
           <a:lstStyle/>
           <a:p>
             <a:r>
-              <a:rPr lang="en-GB" sz="4700" dirty="0">
-                <a:solidFill>
-                  <a:schemeClr val="bg1"/>
-                </a:solidFill>
-              </a:rPr>
-              <a:t>Jesus be the </a:t>
-            </a:r>
-            <a:r>
-              <a:rPr lang="en-GB" sz="4700" dirty="0" err="1">
-                <a:solidFill>
-                  <a:schemeClr val="bg1"/>
-                </a:solidFill>
-              </a:rPr>
-              <a:t>center</a:t>
-            </a:r>
-            <a:r>
-              <a:rPr lang="en-GB" sz="4700" dirty="0">
-                <a:solidFill>
-                  <a:schemeClr val="bg1"/>
-                </a:solidFill>
-              </a:rPr>
-              <a:t> of Your church</a:t>
-            </a:r>
-          </a:p>
-          <a:p>
-            <a:r>
-              <a:rPr lang="en-GB" sz="4700" dirty="0">
-                <a:solidFill>
-                  <a:schemeClr val="bg1"/>
-                </a:solidFill>
-              </a:rPr>
-              <a:t>Jesus be the </a:t>
-            </a:r>
-            <a:r>
-              <a:rPr lang="en-GB" sz="4700" dirty="0" err="1">
-                <a:solidFill>
-                  <a:schemeClr val="bg1"/>
-                </a:solidFill>
-              </a:rPr>
-              <a:t>center</a:t>
-            </a:r>
-            <a:r>
-              <a:rPr lang="en-GB" sz="4700" dirty="0">
-                <a:solidFill>
-                  <a:schemeClr val="bg1"/>
-                </a:solidFill>
-              </a:rPr>
-              <a:t> of Your church</a:t>
-            </a:r>
-          </a:p>
-          <a:p>
-            <a:r>
-              <a:rPr lang="en-GB" sz="4700" dirty="0">
-                <a:solidFill>
-                  <a:schemeClr val="bg1"/>
-                </a:solidFill>
-              </a:rPr>
-              <a:t>And </a:t>
-            </a:r>
-            <a:r>
-              <a:rPr lang="en-GB" sz="4700" dirty="0" err="1">
-                <a:solidFill>
-                  <a:schemeClr val="bg1"/>
-                </a:solidFill>
-              </a:rPr>
-              <a:t>ev'ry</a:t>
-            </a:r>
-            <a:r>
-              <a:rPr lang="en-GB" sz="4700" dirty="0">
-                <a:solidFill>
-                  <a:schemeClr val="bg1"/>
-                </a:solidFill>
-              </a:rPr>
-              <a:t> knee will bow</a:t>
-            </a:r>
-          </a:p>
-          <a:p>
-            <a:r>
-              <a:rPr lang="en-GB" sz="4700" dirty="0">
-                <a:solidFill>
-                  <a:schemeClr val="bg1"/>
-                </a:solidFill>
-              </a:rPr>
-              <a:t>And </a:t>
-            </a:r>
-            <a:r>
-              <a:rPr lang="en-GB" sz="4700" dirty="0" err="1">
-                <a:solidFill>
-                  <a:schemeClr val="bg1"/>
-                </a:solidFill>
-              </a:rPr>
-              <a:t>ev'ry</a:t>
-            </a:r>
-            <a:r>
-              <a:rPr lang="en-GB" sz="4700" dirty="0">
-                <a:solidFill>
-                  <a:schemeClr val="bg1"/>
-                </a:solidFill>
-              </a:rPr>
-              <a:t> tongue shall confess You</a:t>
+              <a:rPr lang="en-GB" sz="5400" dirty="0">
+                <a:solidFill>
+                  <a:schemeClr val="bg1"/>
+                </a:solidFill>
+              </a:rPr>
+              <a:t>O come to the altar</a:t>
+            </a:r>
+          </a:p>
+          <a:p>
+            <a:r>
+              <a:rPr lang="en-GB" sz="5400" dirty="0">
+                <a:solidFill>
+                  <a:schemeClr val="bg1"/>
+                </a:solidFill>
+              </a:rPr>
+              <a:t>The Father's arms are open wide</a:t>
+            </a:r>
+          </a:p>
+          <a:p>
+            <a:r>
+              <a:rPr lang="en-GB" sz="5400" dirty="0">
+                <a:solidFill>
+                  <a:schemeClr val="bg1"/>
+                </a:solidFill>
+              </a:rPr>
+              <a:t>Forgiveness was bought with</a:t>
+            </a:r>
+          </a:p>
+          <a:p>
+            <a:r>
+              <a:rPr lang="en-GB" sz="5400" dirty="0">
+                <a:solidFill>
+                  <a:schemeClr val="bg1"/>
+                </a:solidFill>
+              </a:rPr>
+              <a:t>The precious blood of Jesus Christ</a:t>
             </a:r>
           </a:p>
         </p:txBody>
@@ -3720,7 +3678,7 @@
                   <a:schemeClr val="bg1"/>
                 </a:solidFill>
               </a:rPr>
-              <a:t>5/5</a:t>
+              <a:t>2/5</a:t>
             </a:r>
           </a:p>
         </p:txBody>
@@ -3728,7 +3686,7 @@
     </p:spTree>
     <p:extLst>
       <p:ext uri="{BB962C8B-B14F-4D97-AF65-F5344CB8AC3E}">
-        <p14:creationId xmlns:p14="http://schemas.microsoft.com/office/powerpoint/2010/main" val="2116406398"/>
+        <p14:creationId xmlns:p14="http://schemas.microsoft.com/office/powerpoint/2010/main" val="1563839107"/>
       </p:ext>
     </p:extLst>
   </p:cSld>
@@ -3777,123 +3735,96 @@
           </a:bodyPr>
           <a:lstStyle/>
           <a:p>
-            <a:endParaRPr lang="en-GB" sz="6600" dirty="0">
-              <a:solidFill>
-                <a:srgbClr val="00A3E0"/>
-              </a:solidFill>
-              <a:latin typeface="akagi_probook"/>
-            </a:endParaRPr>
-          </a:p>
-          <a:p>
-            <a:r>
-              <a:rPr lang="en-GB" sz="6600" dirty="0">
-                <a:solidFill>
-                  <a:srgbClr val="00A3E0"/>
-                </a:solidFill>
-                <a:latin typeface="akagi_probook"/>
-              </a:rPr>
-              <a:t>Draw me close</a:t>
-            </a:r>
-          </a:p>
-          <a:p>
-            <a:br>
-              <a:rPr lang="en-GB" sz="1200" dirty="0">
-                <a:solidFill>
-                  <a:schemeClr val="bg1"/>
-                </a:solidFill>
-              </a:rPr>
-            </a:br>
-            <a:br>
-              <a:rPr lang="en-GB" sz="1200" dirty="0">
-                <a:solidFill>
-                  <a:schemeClr val="bg1"/>
-                </a:solidFill>
-              </a:rPr>
-            </a:br>
-            <a:r>
-              <a:rPr lang="en-GB" sz="1200" dirty="0">
-                <a:solidFill>
-                  <a:schemeClr val="bg1"/>
-                </a:solidFill>
-              </a:rPr>
-              <a:t>CCLI Song # 1459484</a:t>
-            </a:r>
-          </a:p>
-          <a:p>
-            <a:endParaRPr lang="en-GB" sz="1200" dirty="0">
-              <a:solidFill>
-                <a:schemeClr val="bg1"/>
-              </a:solidFill>
-            </a:endParaRPr>
-          </a:p>
-          <a:p>
-            <a:r>
-              <a:rPr lang="en-GB" sz="1200" dirty="0">
-                <a:solidFill>
-                  <a:schemeClr val="bg1"/>
-                </a:solidFill>
-              </a:rPr>
-              <a:t>Kelly Carpenter</a:t>
-            </a:r>
-          </a:p>
-          <a:p>
-            <a:endParaRPr lang="en-GB" sz="1200" dirty="0">
-              <a:solidFill>
-                <a:schemeClr val="bg1"/>
-              </a:solidFill>
-            </a:endParaRPr>
-          </a:p>
-          <a:p>
-            <a:r>
-              <a:rPr lang="en-GB" sz="1200" dirty="0">
-                <a:solidFill>
-                  <a:schemeClr val="bg1"/>
-                </a:solidFill>
-              </a:rPr>
-              <a:t>© 1994 Mercy / Vineyard Publishing (Admin. by Integrity Music Ltd)</a:t>
-            </a:r>
-          </a:p>
-          <a:p>
-            <a:r>
-              <a:rPr lang="en-GB" sz="1200" dirty="0">
-                <a:solidFill>
-                  <a:schemeClr val="bg1"/>
-                </a:solidFill>
-              </a:rPr>
-              <a:t>For use solely with the </a:t>
-            </a:r>
-            <a:r>
-              <a:rPr lang="en-GB" sz="1200" dirty="0" err="1">
-                <a:solidFill>
-                  <a:schemeClr val="bg1"/>
-                </a:solidFill>
-              </a:rPr>
-              <a:t>SongSelect</a:t>
-            </a:r>
-            <a:r>
-              <a:rPr lang="en-GB" sz="1200" dirty="0">
-                <a:solidFill>
-                  <a:schemeClr val="bg1"/>
-                </a:solidFill>
-              </a:rPr>
-              <a:t>® Terms of Use. All rights reserved. www.ccli.com</a:t>
-            </a:r>
-          </a:p>
-          <a:p>
-            <a:endParaRPr lang="en-GB" sz="1200" dirty="0">
-              <a:solidFill>
-                <a:schemeClr val="bg1"/>
-              </a:solidFill>
-            </a:endParaRPr>
-          </a:p>
-          <a:p>
-            <a:r>
-              <a:rPr lang="en-GB" sz="1200" dirty="0">
-                <a:solidFill>
-                  <a:schemeClr val="bg1"/>
-                </a:solidFill>
-              </a:rPr>
-              <a:t>CCLI Licence No. 33265</a:t>
+            <a:r>
+              <a:rPr lang="en-GB" sz="4300" dirty="0">
+                <a:solidFill>
+                  <a:schemeClr val="bg1"/>
+                </a:solidFill>
+              </a:rPr>
+              <a:t>Leave behind your regrets and mistakes</a:t>
+            </a:r>
+          </a:p>
+          <a:p>
+            <a:r>
+              <a:rPr lang="en-GB" sz="4300" dirty="0">
+                <a:solidFill>
+                  <a:schemeClr val="bg1"/>
+                </a:solidFill>
+              </a:rPr>
+              <a:t>Come today there's no reason to wait</a:t>
+            </a:r>
+          </a:p>
+          <a:p>
+            <a:r>
+              <a:rPr lang="en-GB" sz="4300" dirty="0">
+                <a:solidFill>
+                  <a:schemeClr val="bg1"/>
+                </a:solidFill>
+              </a:rPr>
+              <a:t>Jesus is calling</a:t>
+            </a:r>
+          </a:p>
+          <a:p>
+            <a:r>
+              <a:rPr lang="en-GB" sz="4300" dirty="0">
+                <a:solidFill>
+                  <a:schemeClr val="bg1"/>
+                </a:solidFill>
+              </a:rPr>
+              <a:t>Bring your sorrows and trade them for joy</a:t>
+            </a:r>
+          </a:p>
+          <a:p>
+            <a:r>
+              <a:rPr lang="en-GB" sz="4300" dirty="0">
+                <a:solidFill>
+                  <a:schemeClr val="bg1"/>
+                </a:solidFill>
+              </a:rPr>
+              <a:t>From the ashes a new life is born</a:t>
+            </a:r>
+          </a:p>
+          <a:p>
+            <a:r>
+              <a:rPr lang="en-GB" sz="4300" dirty="0">
+                <a:solidFill>
+                  <a:schemeClr val="bg1"/>
+                </a:solidFill>
+              </a:rPr>
+              <a:t>Jesus is calling</a:t>
+            </a:r>
+          </a:p>
+        </p:txBody>
+      </p:sp>
+      <p:sp>
+        <p:nvSpPr>
+          <p:cNvPr id="4" name="TextBox 3"/>
+          <p:cNvSpPr txBox="1"/>
+          <p:nvPr/>
+        </p:nvSpPr>
+        <p:spPr>
+          <a:xfrm>
+            <a:off x="8529729" y="0"/>
+            <a:ext cx="628698" cy="461665"/>
+          </a:xfrm>
+          <a:prstGeom prst="rect">
+            <a:avLst/>
+          </a:prstGeom>
+          <a:noFill/>
+        </p:spPr>
+        <p:txBody>
+          <a:bodyPr wrap="none" rtlCol="0">
+            <a:spAutoFit/>
+          </a:bodyPr>
+          <a:lstStyle/>
+          <a:p>
+            <a:r>
+              <a:rPr lang="en-GB" sz="2400" b="1" dirty="0">
+                <a:solidFill>
+                  <a:schemeClr val="bg1"/>
+                </a:solidFill>
+              </a:rPr>
+              <a:t>3/5</a:t>
             </a:r>
           </a:p>
         </p:txBody>
@@ -3901,7 +3832,7 @@
     </p:spTree>
     <p:extLst>
       <p:ext uri="{BB962C8B-B14F-4D97-AF65-F5344CB8AC3E}">
-        <p14:creationId xmlns:p14="http://schemas.microsoft.com/office/powerpoint/2010/main" val="2884710602"/>
+        <p14:creationId xmlns:p14="http://schemas.microsoft.com/office/powerpoint/2010/main" val="673598182"/>
       </p:ext>
     </p:extLst>
   </p:cSld>
@@ -3951,80 +3882,75 @@
           <a:lstStyle/>
           <a:p>
             <a:r>
-              <a:rPr lang="en-GB" sz="4000" dirty="0">
-                <a:solidFill>
-                  <a:schemeClr val="bg1"/>
-                </a:solidFill>
-              </a:rPr>
-              <a:t>Draw me close to You never let me go</a:t>
-            </a:r>
-          </a:p>
-          <a:p>
-            <a:r>
-              <a:rPr lang="en-GB" sz="4000" dirty="0">
-                <a:solidFill>
-                  <a:schemeClr val="bg1"/>
-                </a:solidFill>
-              </a:rPr>
-              <a:t>I lay it all down again</a:t>
-            </a:r>
-          </a:p>
-          <a:p>
-            <a:r>
-              <a:rPr lang="en-GB" sz="4000" dirty="0">
-                <a:solidFill>
-                  <a:schemeClr val="bg1"/>
-                </a:solidFill>
-              </a:rPr>
-              <a:t>To hear You say that I'm Your friend</a:t>
-            </a:r>
-          </a:p>
-          <a:p>
-            <a:r>
-              <a:rPr lang="en-GB" sz="4000" dirty="0">
-                <a:solidFill>
-                  <a:schemeClr val="bg1"/>
-                </a:solidFill>
-              </a:rPr>
-              <a:t>You are my desire no one else will do</a:t>
-            </a:r>
-          </a:p>
-          <a:p>
-            <a:r>
-              <a:rPr lang="en-GB" sz="4000" dirty="0" err="1">
-                <a:solidFill>
-                  <a:schemeClr val="bg1"/>
-                </a:solidFill>
-              </a:rPr>
-              <a:t>'Cause</a:t>
-            </a:r>
-            <a:r>
-              <a:rPr lang="en-GB" sz="4000" dirty="0">
-                <a:solidFill>
-                  <a:schemeClr val="bg1"/>
-                </a:solidFill>
-              </a:rPr>
-              <a:t> nothing else could take Your place</a:t>
-            </a:r>
-          </a:p>
-          <a:p>
-            <a:r>
-              <a:rPr lang="en-GB" sz="4000" dirty="0">
-                <a:solidFill>
-                  <a:schemeClr val="bg1"/>
-                </a:solidFill>
-              </a:rPr>
-              <a:t>To feel the warmth of Your embrace</a:t>
-            </a:r>
-          </a:p>
-          <a:p>
-            <a:r>
-              <a:rPr lang="en-GB" sz="4000" dirty="0">
-                <a:solidFill>
-                  <a:schemeClr val="bg1"/>
-                </a:solidFill>
-              </a:rPr>
-              <a:t>Help me find the way bring me back to You</a:t>
+              <a:rPr lang="en-GB" sz="4300" dirty="0">
+                <a:solidFill>
+                  <a:schemeClr val="bg1"/>
+                </a:solidFill>
+              </a:rPr>
+              <a:t>Oh what a </a:t>
+            </a:r>
+            <a:r>
+              <a:rPr lang="en-GB" sz="4300" dirty="0" err="1">
+                <a:solidFill>
+                  <a:schemeClr val="bg1"/>
+                </a:solidFill>
+              </a:rPr>
+              <a:t>Savior</a:t>
+            </a:r>
+            <a:endParaRPr lang="en-GB" sz="4300" dirty="0">
+              <a:solidFill>
+                <a:schemeClr val="bg1"/>
+              </a:solidFill>
+            </a:endParaRPr>
+          </a:p>
+          <a:p>
+            <a:r>
+              <a:rPr lang="en-GB" sz="4300" dirty="0">
+                <a:solidFill>
+                  <a:schemeClr val="bg1"/>
+                </a:solidFill>
+              </a:rPr>
+              <a:t>Isn't he wonderful</a:t>
+            </a:r>
+          </a:p>
+          <a:p>
+            <a:r>
+              <a:rPr lang="en-GB" sz="4300" dirty="0">
+                <a:solidFill>
+                  <a:schemeClr val="bg1"/>
+                </a:solidFill>
+              </a:rPr>
+              <a:t>Sing alleluia Christ is risen</a:t>
+            </a:r>
+          </a:p>
+          <a:p>
+            <a:r>
+              <a:rPr lang="en-GB" sz="4300" dirty="0">
+                <a:solidFill>
+                  <a:schemeClr val="bg1"/>
+                </a:solidFill>
+              </a:rPr>
+              <a:t>Bow down before him</a:t>
+            </a:r>
+          </a:p>
+          <a:p>
+            <a:r>
+              <a:rPr lang="en-GB" sz="4300" dirty="0">
+                <a:solidFill>
+                  <a:schemeClr val="bg1"/>
+                </a:solidFill>
+              </a:rPr>
+              <a:t>For he is Lord of all</a:t>
+            </a:r>
+          </a:p>
+          <a:p>
+            <a:r>
+              <a:rPr lang="en-GB" sz="4300" dirty="0">
+                <a:solidFill>
+                  <a:schemeClr val="bg1"/>
+                </a:solidFill>
+              </a:rPr>
+              <a:t>Sing alleluia Christ is risen</a:t>
             </a:r>
           </a:p>
         </p:txBody>
@@ -4057,7 +3983,7 @@
                   <a:schemeClr val="bg1"/>
                 </a:solidFill>
               </a:rPr>
-              <a:t>1/2</a:t>
+              <a:t>4/5</a:t>
             </a:r>
           </a:p>
         </p:txBody>
@@ -4065,7 +3991,7 @@
     </p:spTree>
     <p:extLst>
       <p:ext uri="{BB962C8B-B14F-4D97-AF65-F5344CB8AC3E}">
-        <p14:creationId xmlns:p14="http://schemas.microsoft.com/office/powerpoint/2010/main" val="2885972922"/>
+        <p14:creationId xmlns:p14="http://schemas.microsoft.com/office/powerpoint/2010/main" val="918880120"/>
       </p:ext>
     </p:extLst>
   </p:cSld>
@@ -4115,42 +4041,22 @@
           <a:lstStyle/>
           <a:p>
             <a:r>
-              <a:rPr lang="en-GB" sz="5400" dirty="0">
-                <a:solidFill>
-                  <a:schemeClr val="bg1"/>
-                </a:solidFill>
-              </a:rPr>
-              <a:t>You're all I want</a:t>
-            </a:r>
-          </a:p>
-          <a:p>
-            <a:r>
-              <a:rPr lang="en-GB" sz="5400" dirty="0">
-                <a:solidFill>
-                  <a:schemeClr val="bg1"/>
-                </a:solidFill>
-              </a:rPr>
-              <a:t>You're all I've ever needed</a:t>
-            </a:r>
-          </a:p>
-          <a:p>
-            <a:r>
-              <a:rPr lang="en-GB" sz="5400" dirty="0">
-                <a:solidFill>
-                  <a:schemeClr val="bg1"/>
-                </a:solidFill>
-              </a:rPr>
-              <a:t>You're all I want</a:t>
-            </a:r>
-          </a:p>
-          <a:p>
-            <a:r>
-              <a:rPr lang="en-GB" sz="5400" dirty="0">
-                <a:solidFill>
-                  <a:schemeClr val="bg1"/>
-                </a:solidFill>
-              </a:rPr>
-              <a:t>Help me know You are near</a:t>
+              <a:rPr lang="en-GB" sz="4800" dirty="0">
+                <a:solidFill>
+                  <a:schemeClr val="bg1"/>
+                </a:solidFill>
+              </a:rPr>
+              <a:t>Bear your cross as you wait for the crown</a:t>
+            </a:r>
+          </a:p>
+          <a:p>
+            <a:r>
+              <a:rPr lang="en-GB" sz="4800" dirty="0">
+                <a:solidFill>
+                  <a:schemeClr val="bg1"/>
+                </a:solidFill>
+              </a:rPr>
+              <a:t>Tell the world of the treasure you've found</a:t>
             </a:r>
           </a:p>
         </p:txBody>
@@ -4183,7 +4089,7 @@
                   <a:schemeClr val="bg1"/>
                 </a:solidFill>
               </a:rPr>
-              <a:t>2/2</a:t>
+              <a:t>5/5</a:t>
             </a:r>
           </a:p>
         </p:txBody>
@@ -4191,7 +4097,7 @@
     </p:spTree>
     <p:extLst>
       <p:ext uri="{BB962C8B-B14F-4D97-AF65-F5344CB8AC3E}">
-        <p14:creationId xmlns:p14="http://schemas.microsoft.com/office/powerpoint/2010/main" val="1455396921"/>
+        <p14:creationId xmlns:p14="http://schemas.microsoft.com/office/powerpoint/2010/main" val="3917964492"/>
       </p:ext>
     </p:extLst>
   </p:cSld>
@@ -4249,65 +4155,126 @@
                   <a:schemeClr val="bg1"/>
                 </a:solidFill>
               </a:rPr>
-              <a:t>The Stand</a:t>
-            </a:r>
-          </a:p>
-          <a:p>
-            <a:r>
-              <a:rPr lang="en-GB" sz="1200" dirty="0"/>
-              <a:t>CCLI Song # 4705248</a:t>
-            </a:r>
-          </a:p>
-          <a:p>
+              <a:t>Rain</a:t>
+            </a:r>
+            <a:br>
+              <a:rPr lang="en-GB" sz="9600" dirty="0">
+                <a:solidFill>
+                  <a:schemeClr val="bg1"/>
+                </a:solidFill>
+              </a:rPr>
+            </a:br>
             <a:endParaRPr lang="en-GB" sz="1200" dirty="0"/>
           </a:p>
           <a:p>
             <a:r>
-              <a:rPr lang="en-GB" sz="1200" dirty="0"/>
-              <a:t>Joel Houston</a:t>
-            </a:r>
-          </a:p>
-          <a:p>
-            <a:endParaRPr lang="en-GB" sz="1200" dirty="0"/>
-          </a:p>
-          <a:p>
-            <a:r>
-              <a:rPr lang="en-GB" sz="1200" dirty="0"/>
-              <a:t>© 2005 Hillsong Music Publishing Australia (Admin. by Hillsong Music Publishing UK)</a:t>
-            </a:r>
-          </a:p>
-          <a:p>
-            <a:r>
-              <a:rPr lang="en-GB" sz="1200" dirty="0"/>
+              <a:rPr lang="en-GB" sz="1200" dirty="0">
+                <a:solidFill>
+                  <a:schemeClr val="bg1"/>
+                </a:solidFill>
+              </a:rPr>
+              <a:t>CCLI Song # 5842643</a:t>
+            </a:r>
+          </a:p>
+          <a:p>
+            <a:endParaRPr lang="en-GB" sz="1200" dirty="0">
+              <a:solidFill>
+                <a:schemeClr val="bg1"/>
+              </a:solidFill>
+            </a:endParaRPr>
+          </a:p>
+          <a:p>
+            <a:r>
+              <a:rPr lang="en-GB" sz="1200" dirty="0">
+                <a:solidFill>
+                  <a:schemeClr val="bg1"/>
+                </a:solidFill>
+              </a:rPr>
+              <a:t>Donna </a:t>
+            </a:r>
+            <a:r>
+              <a:rPr lang="en-GB" sz="1200" dirty="0" err="1">
+                <a:solidFill>
+                  <a:schemeClr val="bg1"/>
+                </a:solidFill>
+              </a:rPr>
+              <a:t>Akodu</a:t>
+            </a:r>
+            <a:r>
+              <a:rPr lang="en-GB" sz="1200" dirty="0">
+                <a:solidFill>
+                  <a:schemeClr val="bg1"/>
+                </a:solidFill>
+              </a:rPr>
+              <a:t> | Noel Robinson</a:t>
+            </a:r>
+          </a:p>
+          <a:p>
+            <a:endParaRPr lang="en-GB" sz="1200" dirty="0">
+              <a:solidFill>
+                <a:schemeClr val="bg1"/>
+              </a:solidFill>
+            </a:endParaRPr>
+          </a:p>
+          <a:p>
+            <a:r>
+              <a:rPr lang="en-GB" sz="1200" dirty="0">
+                <a:solidFill>
+                  <a:schemeClr val="bg1"/>
+                </a:solidFill>
+              </a:rPr>
+              <a:t>© 2009 Thankyou Music (Admin. by Integrity Music Ltd)</a:t>
+            </a:r>
+          </a:p>
+          <a:p>
+            <a:r>
+              <a:rPr lang="en-GB" sz="1200" dirty="0">
+                <a:solidFill>
+                  <a:schemeClr val="bg1"/>
+                </a:solidFill>
+              </a:rPr>
               <a:t>For use solely with the </a:t>
             </a:r>
             <a:r>
-              <a:rPr lang="en-GB" sz="1200" dirty="0" err="1"/>
+              <a:rPr lang="en-GB" sz="1200" dirty="0" err="1">
+                <a:solidFill>
+                  <a:schemeClr val="bg1"/>
+                </a:solidFill>
+              </a:rPr>
               <a:t>SongSelect</a:t>
             </a:r>
             <a:r>
-              <a:rPr lang="en-GB" sz="1200" dirty="0"/>
+              <a:rPr lang="en-GB" sz="1200" dirty="0">
+                <a:solidFill>
+                  <a:schemeClr val="bg1"/>
+                </a:solidFill>
+              </a:rPr>
               <a:t>® Terms of Use. All rights reserved. www.ccli.com</a:t>
             </a:r>
           </a:p>
           <a:p>
-            <a:endParaRPr lang="en-GB" sz="1200" dirty="0"/>
-          </a:p>
-          <a:p>
-            <a:r>
-              <a:rPr lang="en-GB" sz="1200" dirty="0"/>
+            <a:endParaRPr lang="en-GB" sz="1200" dirty="0">
+              <a:solidFill>
+                <a:schemeClr val="bg1"/>
+              </a:solidFill>
+            </a:endParaRPr>
+          </a:p>
+          <a:p>
+            <a:r>
+              <a:rPr lang="en-GB" sz="1200" dirty="0">
+                <a:solidFill>
+                  <a:schemeClr val="bg1"/>
+                </a:solidFill>
+              </a:rPr>
               <a:t>CCLI Licence No. 33265</a:t>
             </a:r>
-          </a:p>
-          <a:p>
-            <a:endParaRPr lang="en-GB" sz="1200" dirty="0"/>
           </a:p>
         </p:txBody>
       </p:sp>
     </p:spTree>
     <p:extLst>
       <p:ext uri="{BB962C8B-B14F-4D97-AF65-F5344CB8AC3E}">
-        <p14:creationId xmlns:p14="http://schemas.microsoft.com/office/powerpoint/2010/main" val="3308045615"/>
+        <p14:creationId xmlns:p14="http://schemas.microsoft.com/office/powerpoint/2010/main" val="3027511790"/>
       </p:ext>
     </p:extLst>
   </p:cSld>
@@ -4357,42 +4324,22 @@
           <a:lstStyle/>
           <a:p>
             <a:r>
-              <a:rPr lang="en-GB" sz="5400" dirty="0">
-                <a:solidFill>
-                  <a:schemeClr val="bg1"/>
-                </a:solidFill>
-              </a:rPr>
-              <a:t>You stood before creation</a:t>
-            </a:r>
-          </a:p>
-          <a:p>
-            <a:r>
-              <a:rPr lang="en-GB" sz="5400" dirty="0">
-                <a:solidFill>
-                  <a:schemeClr val="bg1"/>
-                </a:solidFill>
-              </a:rPr>
-              <a:t>Eternity in Your hand</a:t>
-            </a:r>
-          </a:p>
-          <a:p>
-            <a:r>
-              <a:rPr lang="en-GB" sz="5400" dirty="0">
-                <a:solidFill>
-                  <a:schemeClr val="bg1"/>
-                </a:solidFill>
-              </a:rPr>
-              <a:t>You spoke the earth into motion</a:t>
-            </a:r>
-          </a:p>
-          <a:p>
-            <a:r>
-              <a:rPr lang="en-GB" sz="5400" dirty="0">
-                <a:solidFill>
-                  <a:schemeClr val="bg1"/>
-                </a:solidFill>
-              </a:rPr>
-              <a:t>My soul now to stan</a:t>
+              <a:rPr lang="en-GB" sz="6200" dirty="0">
+                <a:solidFill>
+                  <a:schemeClr val="bg1"/>
+                </a:solidFill>
+              </a:rPr>
+              <a:t>Rain, rain on me</a:t>
+            </a:r>
+          </a:p>
+          <a:p>
+            <a:r>
+              <a:rPr lang="en-GB" sz="6200" dirty="0">
+                <a:solidFill>
+                  <a:schemeClr val="bg1"/>
+                </a:solidFill>
+              </a:rPr>
+              <a:t>Open the windows of heaven</a:t>
             </a:r>
           </a:p>
         </p:txBody>
@@ -4425,7 +4372,7 @@
                   <a:schemeClr val="bg1"/>
                 </a:solidFill>
               </a:rPr>
-              <a:t>1/6</a:t>
+              <a:t>1/2</a:t>
             </a:r>
           </a:p>
         </p:txBody>
@@ -4433,7 +4380,7 @@
     </p:spTree>
     <p:extLst>
       <p:ext uri="{BB962C8B-B14F-4D97-AF65-F5344CB8AC3E}">
-        <p14:creationId xmlns:p14="http://schemas.microsoft.com/office/powerpoint/2010/main" val="163130024"/>
+        <p14:creationId xmlns:p14="http://schemas.microsoft.com/office/powerpoint/2010/main" val="3380110052"/>
       </p:ext>
     </p:extLst>
   </p:cSld>
@@ -4488,7 +4435,7 @@
                   <a:schemeClr val="bg1"/>
                 </a:solidFill>
               </a:rPr>
-              <a:t>I know who God says I am What He says I am</a:t>
+              <a:t>Open up the heavens</a:t>
             </a:r>
           </a:p>
           <a:p>
@@ -4498,23 +4445,17 @@
                   <a:schemeClr val="bg1"/>
                 </a:solidFill>
               </a:rPr>
-              <a:t>Where He says </a:t>
-            </a:r>
-            <a:r>
-              <a:rPr lang="en-GB" sz="5400" dirty="0" err="1">
-                <a:solidFill>
-                  <a:schemeClr val="bg1"/>
-                </a:solidFill>
-              </a:rPr>
-              <a:t>I’am</a:t>
-            </a:r>
+              <a:t>Pouring out a blessing</a:t>
+            </a:r>
+          </a:p>
+          <a:p>
             <a:r>
               <a:rPr lang="en-GB" sz="5400" dirty="0">
                 <a:solidFill>
                   <a:schemeClr val="bg1"/>
                 </a:solidFill>
               </a:rPr>
-              <a:t> at </a:t>
+              <a:t>Lord we need refreshing</a:t>
             </a:r>
           </a:p>
           <a:p>
@@ -4524,29 +4465,7 @@
                   <a:schemeClr val="bg1"/>
                 </a:solidFill>
               </a:rPr>
-              <a:t>I know who I am</a:t>
-            </a:r>
-            <a:br>
-              <a:rPr lang="en-GB" sz="5400" dirty="0">
-                <a:solidFill>
-                  <a:schemeClr val="bg1"/>
-                </a:solidFill>
-              </a:rPr>
-            </a:br>
-            <a:br>
-              <a:rPr lang="en-GB" sz="5400" dirty="0">
-                <a:solidFill>
-                  <a:schemeClr val="bg1"/>
-                </a:solidFill>
-              </a:rPr>
-            </a:br>
-            <a:r>
-              <a:rPr lang="en-GB" sz="5400" dirty="0">
-                <a:solidFill>
-                  <a:schemeClr val="bg1"/>
-                </a:solidFill>
-              </a:rPr>
-              <a:t>(REPEAT)</a:t>
+              <a:t>Till it overflows</a:t>
             </a:r>
           </a:p>
         </p:txBody>
@@ -4579,7 +4498,7 @@
                   <a:schemeClr val="bg1"/>
                 </a:solidFill>
               </a:rPr>
-              <a:t>2/6</a:t>
+              <a:t>2/2</a:t>
             </a:r>
           </a:p>
         </p:txBody>
@@ -4587,7 +4506,7 @@
     </p:spTree>
     <p:extLst>
       <p:ext uri="{BB962C8B-B14F-4D97-AF65-F5344CB8AC3E}">
-        <p14:creationId xmlns:p14="http://schemas.microsoft.com/office/powerpoint/2010/main" val="564552926"/>
+        <p14:creationId xmlns:p14="http://schemas.microsoft.com/office/powerpoint/2010/main" val="148111836"/>
       </p:ext>
     </p:extLst>
   </p:cSld>
@@ -4636,76 +4555,123 @@
           </a:bodyPr>
           <a:lstStyle/>
           <a:p>
-            <a:r>
-              <a:rPr lang="en-GB" sz="5400" dirty="0">
-                <a:solidFill>
-                  <a:schemeClr val="bg1"/>
-                </a:solidFill>
-              </a:rPr>
-              <a:t>You stood before my failure</a:t>
-            </a:r>
-          </a:p>
-          <a:p>
-            <a:r>
-              <a:rPr lang="en-GB" sz="5400" dirty="0">
-                <a:solidFill>
-                  <a:schemeClr val="bg1"/>
-                </a:solidFill>
-              </a:rPr>
-              <a:t>And carried the cross for my shame</a:t>
-            </a:r>
-          </a:p>
-          <a:p>
-            <a:r>
-              <a:rPr lang="en-GB" sz="5400" dirty="0">
-                <a:solidFill>
-                  <a:schemeClr val="bg1"/>
-                </a:solidFill>
-              </a:rPr>
-              <a:t>My sin weighed upon Your shoulders</a:t>
-            </a:r>
-          </a:p>
-          <a:p>
-            <a:r>
-              <a:rPr lang="en-GB" sz="5400" dirty="0">
-                <a:solidFill>
-                  <a:schemeClr val="bg1"/>
-                </a:solidFill>
-              </a:rPr>
-              <a:t>My soul now to stand</a:t>
-            </a:r>
-          </a:p>
-        </p:txBody>
-      </p:sp>
-      <p:sp>
-        <p:nvSpPr>
-          <p:cNvPr id="4" name="TextBox 3"/>
-          <p:cNvSpPr txBox="1"/>
-          <p:nvPr/>
-        </p:nvSpPr>
-        <p:spPr>
-          <a:xfrm>
-            <a:off x="8529729" y="0"/>
-            <a:ext cx="628698" cy="461665"/>
-          </a:xfrm>
-          <a:prstGeom prst="rect">
-            <a:avLst/>
-          </a:prstGeom>
-          <a:noFill/>
-        </p:spPr>
-        <p:txBody>
-          <a:bodyPr wrap="none" rtlCol="0">
-            <a:spAutoFit/>
-          </a:bodyPr>
-          <a:lstStyle/>
-          <a:p>
-            <a:r>
-              <a:rPr lang="en-GB" sz="2400" b="1" dirty="0">
-                <a:solidFill>
-                  <a:schemeClr val="bg1"/>
-                </a:solidFill>
-              </a:rPr>
-              <a:t>3/6</a:t>
+            <a:endParaRPr lang="en-GB" sz="6600" dirty="0">
+              <a:solidFill>
+                <a:srgbClr val="00A3E0"/>
+              </a:solidFill>
+              <a:latin typeface="akagi_probook"/>
+            </a:endParaRPr>
+          </a:p>
+          <a:p>
+            <a:r>
+              <a:rPr lang="en-GB" sz="6600" dirty="0">
+                <a:solidFill>
+                  <a:srgbClr val="00A3E0"/>
+                </a:solidFill>
+                <a:latin typeface="akagi_probook"/>
+              </a:rPr>
+              <a:t>Draw me close</a:t>
+            </a:r>
+          </a:p>
+          <a:p>
+            <a:br>
+              <a:rPr lang="en-GB" sz="1200" dirty="0">
+                <a:solidFill>
+                  <a:schemeClr val="bg1"/>
+                </a:solidFill>
+              </a:rPr>
+            </a:br>
+            <a:br>
+              <a:rPr lang="en-GB" sz="1200" dirty="0">
+                <a:solidFill>
+                  <a:schemeClr val="bg1"/>
+                </a:solidFill>
+              </a:rPr>
+            </a:br>
+            <a:r>
+              <a:rPr lang="en-GB" sz="1200" dirty="0">
+                <a:solidFill>
+                  <a:schemeClr val="bg1"/>
+                </a:solidFill>
+              </a:rPr>
+              <a:t>CCLI Song # 1459484</a:t>
+            </a:r>
+          </a:p>
+          <a:p>
+            <a:endParaRPr lang="en-GB" sz="1200" dirty="0">
+              <a:solidFill>
+                <a:schemeClr val="bg1"/>
+              </a:solidFill>
+            </a:endParaRPr>
+          </a:p>
+          <a:p>
+            <a:r>
+              <a:rPr lang="en-GB" sz="1200" dirty="0">
+                <a:solidFill>
+                  <a:schemeClr val="bg1"/>
+                </a:solidFill>
+              </a:rPr>
+              <a:t>Kelly Carpenter</a:t>
+            </a:r>
+          </a:p>
+          <a:p>
+            <a:endParaRPr lang="en-GB" sz="1200" dirty="0">
+              <a:solidFill>
+                <a:schemeClr val="bg1"/>
+              </a:solidFill>
+            </a:endParaRPr>
+          </a:p>
+          <a:p>
+            <a:r>
+              <a:rPr lang="en-GB" sz="1200" dirty="0">
+                <a:solidFill>
+                  <a:schemeClr val="bg1"/>
+                </a:solidFill>
+              </a:rPr>
+              <a:t>© 1994 Mercy / Vineyard Publishing (Admin. by Integrity Music Ltd)</a:t>
+            </a:r>
+          </a:p>
+          <a:p>
+            <a:r>
+              <a:rPr lang="en-GB" sz="1200" dirty="0">
+                <a:solidFill>
+                  <a:schemeClr val="bg1"/>
+                </a:solidFill>
+              </a:rPr>
+              <a:t>For use solely with the </a:t>
+            </a:r>
+            <a:r>
+              <a:rPr lang="en-GB" sz="1200" dirty="0" err="1">
+                <a:solidFill>
+                  <a:schemeClr val="bg1"/>
+                </a:solidFill>
+              </a:rPr>
+              <a:t>SongSelect</a:t>
+            </a:r>
+            <a:r>
+              <a:rPr lang="en-GB" sz="1200" dirty="0">
+                <a:solidFill>
+                  <a:schemeClr val="bg1"/>
+                </a:solidFill>
+              </a:rPr>
+              <a:t>® Terms of Use. All rights reserved. www.ccli.com</a:t>
+            </a:r>
+          </a:p>
+          <a:p>
+            <a:endParaRPr lang="en-GB" sz="1200" dirty="0">
+              <a:solidFill>
+                <a:schemeClr val="bg1"/>
+              </a:solidFill>
+            </a:endParaRPr>
+          </a:p>
+          <a:p>
+            <a:r>
+              <a:rPr lang="en-GB" sz="1200" dirty="0">
+                <a:solidFill>
+                  <a:schemeClr val="bg1"/>
+                </a:solidFill>
+              </a:rPr>
+              <a:t>CCLI Licence No. 33265</a:t>
             </a:r>
           </a:p>
         </p:txBody>
@@ -4713,7 +4679,7 @@
     </p:spTree>
     <p:extLst>
       <p:ext uri="{BB962C8B-B14F-4D97-AF65-F5344CB8AC3E}">
-        <p14:creationId xmlns:p14="http://schemas.microsoft.com/office/powerpoint/2010/main" val="1120616589"/>
+        <p14:creationId xmlns:p14="http://schemas.microsoft.com/office/powerpoint/2010/main" val="328664650"/>
       </p:ext>
     </p:extLst>
   </p:cSld>
@@ -4762,11 +4728,10 @@
           </a:bodyPr>
           <a:lstStyle/>
           <a:p>
-            <a:endParaRPr lang="en-GB" sz="6600" dirty="0">
+            <a:endParaRPr lang="en-GB" sz="5400" dirty="0">
               <a:solidFill>
-                <a:srgbClr val="00A3E0"/>
+                <a:schemeClr val="bg1"/>
               </a:solidFill>
-              <a:latin typeface="akagi_probook"/>
             </a:endParaRPr>
           </a:p>
           <a:p>
@@ -4777,10 +4742,8 @@
                 </a:solidFill>
                 <a:latin typeface="akagi_probook"/>
               </a:rPr>
-              <a:t>Sing Unto the Lord</a:t>
-            </a:r>
-          </a:p>
-          <a:p>
+              <a:t>Lord I Lift Your Name On High</a:t>
+            </a:r>
             <a:br>
               <a:rPr lang="en-GB" sz="1200" dirty="0">
                 <a:solidFill>
@@ -4794,7 +4757,7 @@
                   <a:schemeClr val="bg1"/>
                 </a:solidFill>
               </a:rPr>
-              <a:t>CCLI Song # 4109954</a:t>
+              <a:t>CCLI Song # 117947</a:t>
             </a:r>
           </a:p>
           <a:p>
@@ -4811,7 +4774,7 @@
                   <a:schemeClr val="bg1"/>
                 </a:solidFill>
               </a:rPr>
-              <a:t>Howard Francis | Mark Beswick | Nicky Brown</a:t>
+              <a:t>Rick Founds</a:t>
             </a:r>
           </a:p>
           <a:p>
@@ -4828,17 +4791,7 @@
                   <a:schemeClr val="bg1"/>
                 </a:solidFill>
               </a:rPr>
-              <a:t>© 2003 Thankyou Music (Admin. by Integrity Music Ltd)</a:t>
-            </a:r>
-          </a:p>
-          <a:p>
-            <a:r>
-              <a:rPr lang="en-GB" sz="1200" dirty="0">
-                <a:solidFill>
-                  <a:schemeClr val="bg1"/>
-                </a:solidFill>
-              </a:rPr>
-              <a:t>Remaining portion is unaffiliated</a:t>
+              <a:t>© 1989 Universal Music - Brentwood Benson Publishing (Admin. by Brentwood-Benson Music Publishing, Inc.)</a:t>
             </a:r>
           </a:p>
           <a:p>
@@ -4889,7 +4842,7 @@
     </p:spTree>
     <p:extLst>
       <p:ext uri="{BB962C8B-B14F-4D97-AF65-F5344CB8AC3E}">
-        <p14:creationId xmlns:p14="http://schemas.microsoft.com/office/powerpoint/2010/main" val="3899306317"/>
+        <p14:creationId xmlns:p14="http://schemas.microsoft.com/office/powerpoint/2010/main" val="2249672561"/>
       </p:ext>
     </p:extLst>
   </p:cSld>
@@ -4939,42 +4892,80 @@
           <a:lstStyle/>
           <a:p>
             <a:r>
-              <a:rPr lang="en-GB" sz="5400" dirty="0">
-                <a:solidFill>
-                  <a:schemeClr val="bg1"/>
-                </a:solidFill>
-              </a:rPr>
-              <a:t>So what can I say</a:t>
-            </a:r>
-          </a:p>
-          <a:p>
-            <a:r>
-              <a:rPr lang="en-GB" sz="5400" dirty="0">
-                <a:solidFill>
-                  <a:schemeClr val="bg1"/>
-                </a:solidFill>
-              </a:rPr>
-              <a:t>And what can I do</a:t>
-            </a:r>
-          </a:p>
-          <a:p>
-            <a:r>
-              <a:rPr lang="en-GB" sz="5400" dirty="0">
-                <a:solidFill>
-                  <a:schemeClr val="bg1"/>
-                </a:solidFill>
-              </a:rPr>
-              <a:t>But offer this heart O God</a:t>
-            </a:r>
-          </a:p>
-          <a:p>
-            <a:r>
-              <a:rPr lang="en-GB" sz="5400" dirty="0">
-                <a:solidFill>
-                  <a:schemeClr val="bg1"/>
-                </a:solidFill>
-              </a:rPr>
-              <a:t>Completely to You</a:t>
+              <a:rPr lang="en-GB" sz="4000" dirty="0">
+                <a:solidFill>
+                  <a:schemeClr val="bg1"/>
+                </a:solidFill>
+              </a:rPr>
+              <a:t>Draw me close to You never let me go</a:t>
+            </a:r>
+          </a:p>
+          <a:p>
+            <a:r>
+              <a:rPr lang="en-GB" sz="4000" dirty="0">
+                <a:solidFill>
+                  <a:schemeClr val="bg1"/>
+                </a:solidFill>
+              </a:rPr>
+              <a:t>I lay it all down again</a:t>
+            </a:r>
+          </a:p>
+          <a:p>
+            <a:r>
+              <a:rPr lang="en-GB" sz="4000" dirty="0">
+                <a:solidFill>
+                  <a:schemeClr val="bg1"/>
+                </a:solidFill>
+              </a:rPr>
+              <a:t>To hear You say that I'm Your friend</a:t>
+            </a:r>
+          </a:p>
+          <a:p>
+            <a:r>
+              <a:rPr lang="en-GB" sz="4000" dirty="0">
+                <a:solidFill>
+                  <a:schemeClr val="bg1"/>
+                </a:solidFill>
+              </a:rPr>
+              <a:t>You are my desire no one else will do</a:t>
+            </a:r>
+          </a:p>
+          <a:p>
+            <a:r>
+              <a:rPr lang="en-GB" sz="4000" dirty="0" err="1">
+                <a:solidFill>
+                  <a:schemeClr val="bg1"/>
+                </a:solidFill>
+              </a:rPr>
+              <a:t>'Cause</a:t>
+            </a:r>
+            <a:r>
+              <a:rPr lang="en-GB" sz="4000" dirty="0">
+                <a:solidFill>
+                  <a:schemeClr val="bg1"/>
+                </a:solidFill>
+              </a:rPr>
+              <a:t> nothing else could take Your place</a:t>
+            </a:r>
+          </a:p>
+          <a:p>
+            <a:r>
+              <a:rPr lang="en-GB" sz="4000" dirty="0">
+                <a:solidFill>
+                  <a:schemeClr val="bg1"/>
+                </a:solidFill>
+              </a:rPr>
+              <a:t>To feel the warmth of Your embrace</a:t>
+            </a:r>
+          </a:p>
+          <a:p>
+            <a:r>
+              <a:rPr lang="en-GB" sz="4000" dirty="0">
+                <a:solidFill>
+                  <a:schemeClr val="bg1"/>
+                </a:solidFill>
+              </a:rPr>
+              <a:t>Help me find the way bring me back to You</a:t>
             </a:r>
           </a:p>
         </p:txBody>
@@ -5007,7 +4998,7 @@
                   <a:schemeClr val="bg1"/>
                 </a:solidFill>
               </a:rPr>
-              <a:t>4/6</a:t>
+              <a:t>1/2</a:t>
             </a:r>
           </a:p>
         </p:txBody>
@@ -5015,7 +5006,7 @@
     </p:spTree>
     <p:extLst>
       <p:ext uri="{BB962C8B-B14F-4D97-AF65-F5344CB8AC3E}">
-        <p14:creationId xmlns:p14="http://schemas.microsoft.com/office/powerpoint/2010/main" val="4066357541"/>
+        <p14:creationId xmlns:p14="http://schemas.microsoft.com/office/powerpoint/2010/main" val="1869146015"/>
       </p:ext>
     </p:extLst>
   </p:cSld>
@@ -5070,7 +5061,7 @@
                   <a:schemeClr val="bg1"/>
                 </a:solidFill>
               </a:rPr>
-              <a:t>So I'll walk upon salvation</a:t>
+              <a:t>You're all I want</a:t>
             </a:r>
           </a:p>
           <a:p>
@@ -5080,7 +5071,7 @@
                   <a:schemeClr val="bg1"/>
                 </a:solidFill>
               </a:rPr>
-              <a:t>Your Spirit alive in me</a:t>
+              <a:t>You're all I've ever needed</a:t>
             </a:r>
           </a:p>
           <a:p>
@@ -5090,7 +5081,7 @@
                   <a:schemeClr val="bg1"/>
                 </a:solidFill>
               </a:rPr>
-              <a:t>My life to declare Your promise</a:t>
+              <a:t>You're all I want</a:t>
             </a:r>
           </a:p>
           <a:p>
@@ -5100,7 +5091,7 @@
                   <a:schemeClr val="bg1"/>
                 </a:solidFill>
               </a:rPr>
-              <a:t>My soul now to stand</a:t>
+              <a:t>Help me know You are near</a:t>
             </a:r>
           </a:p>
         </p:txBody>
@@ -5133,7 +5124,7 @@
                   <a:schemeClr val="bg1"/>
                 </a:solidFill>
               </a:rPr>
-              <a:t>5/6</a:t>
+              <a:t>2/2</a:t>
             </a:r>
           </a:p>
         </p:txBody>
@@ -5141,7 +5132,7 @@
     </p:spTree>
     <p:extLst>
       <p:ext uri="{BB962C8B-B14F-4D97-AF65-F5344CB8AC3E}">
-        <p14:creationId xmlns:p14="http://schemas.microsoft.com/office/powerpoint/2010/main" val="2208576038"/>
+        <p14:creationId xmlns:p14="http://schemas.microsoft.com/office/powerpoint/2010/main" val="2137984507"/>
       </p:ext>
     </p:extLst>
   </p:cSld>
@@ -5279,7 +5270,7 @@
                   <a:schemeClr val="bg1"/>
                 </a:solidFill>
               </a:rPr>
-              <a:t>6/6</a:t>
+              <a:t>1/1</a:t>
             </a:r>
           </a:p>
         </p:txBody>
@@ -5287,7 +5278,7 @@
     </p:spTree>
     <p:extLst>
       <p:ext uri="{BB962C8B-B14F-4D97-AF65-F5344CB8AC3E}">
-        <p14:creationId xmlns:p14="http://schemas.microsoft.com/office/powerpoint/2010/main" val="975535872"/>
+        <p14:creationId xmlns:p14="http://schemas.microsoft.com/office/powerpoint/2010/main" val="621873883"/>
       </p:ext>
     </p:extLst>
   </p:cSld>
@@ -5314,157 +5305,10 @@
           <a:chExt cx="0" cy="0"/>
         </a:xfrm>
       </p:grpSpPr>
-      <p:sp>
-        <p:nvSpPr>
-          <p:cNvPr id="3" name="Subtitle 2"/>
-          <p:cNvSpPr>
-            <a:spLocks noGrp="1"/>
-          </p:cNvSpPr>
-          <p:nvPr>
-            <p:ph type="subTitle" idx="1"/>
-          </p:nvPr>
-        </p:nvSpPr>
-        <p:spPr>
-          <a:xfrm>
-            <a:off x="323528" y="188640"/>
-            <a:ext cx="8640960" cy="6480720"/>
-          </a:xfrm>
-        </p:spPr>
-        <p:txBody>
-          <a:bodyPr>
-            <a:noAutofit/>
-          </a:bodyPr>
-          <a:lstStyle/>
-          <a:p>
-            <a:endParaRPr lang="en-GB" sz="9600" dirty="0"/>
-          </a:p>
-          <a:p>
-            <a:r>
-              <a:rPr lang="en-GB" sz="9600" dirty="0">
-                <a:solidFill>
-                  <a:schemeClr val="bg1"/>
-                </a:solidFill>
-              </a:rPr>
-              <a:t>Rain</a:t>
-            </a:r>
-            <a:br>
-              <a:rPr lang="en-GB" sz="9600" dirty="0">
-                <a:solidFill>
-                  <a:schemeClr val="bg1"/>
-                </a:solidFill>
-              </a:rPr>
-            </a:br>
-            <a:endParaRPr lang="en-GB" sz="1200" dirty="0"/>
-          </a:p>
-          <a:p>
-            <a:r>
-              <a:rPr lang="en-GB" sz="1200" dirty="0">
-                <a:solidFill>
-                  <a:schemeClr val="bg1"/>
-                </a:solidFill>
-              </a:rPr>
-              <a:t>CCLI Song # 5842643</a:t>
-            </a:r>
-          </a:p>
-          <a:p>
-            <a:endParaRPr lang="en-GB" sz="1200" dirty="0">
-              <a:solidFill>
-                <a:schemeClr val="bg1"/>
-              </a:solidFill>
-            </a:endParaRPr>
-          </a:p>
-          <a:p>
-            <a:r>
-              <a:rPr lang="en-GB" sz="1200" dirty="0">
-                <a:solidFill>
-                  <a:schemeClr val="bg1"/>
-                </a:solidFill>
-              </a:rPr>
-              <a:t>Donna </a:t>
-            </a:r>
-            <a:r>
-              <a:rPr lang="en-GB" sz="1200" dirty="0" err="1">
-                <a:solidFill>
-                  <a:schemeClr val="bg1"/>
-                </a:solidFill>
-              </a:rPr>
-              <a:t>Akodu</a:t>
-            </a:r>
-            <a:r>
-              <a:rPr lang="en-GB" sz="1200" dirty="0">
-                <a:solidFill>
-                  <a:schemeClr val="bg1"/>
-                </a:solidFill>
-              </a:rPr>
-              <a:t> | Noel Robinson</a:t>
-            </a:r>
-          </a:p>
-          <a:p>
-            <a:endParaRPr lang="en-GB" sz="1200" dirty="0">
-              <a:solidFill>
-                <a:schemeClr val="bg1"/>
-              </a:solidFill>
-            </a:endParaRPr>
-          </a:p>
-          <a:p>
-            <a:r>
-              <a:rPr lang="en-GB" sz="1200" dirty="0">
-                <a:solidFill>
-                  <a:schemeClr val="bg1"/>
-                </a:solidFill>
-              </a:rPr>
-              <a:t>© 2009 Thankyou Music (Admin. by Integrity Music Ltd)</a:t>
-            </a:r>
-          </a:p>
-          <a:p>
-            <a:r>
-              <a:rPr lang="en-GB" sz="1200" dirty="0">
-                <a:solidFill>
-                  <a:schemeClr val="bg1"/>
-                </a:solidFill>
-              </a:rPr>
-              <a:t>For use solely with the </a:t>
-            </a:r>
-            <a:r>
-              <a:rPr lang="en-GB" sz="1200" dirty="0" err="1">
-                <a:solidFill>
-                  <a:schemeClr val="bg1"/>
-                </a:solidFill>
-              </a:rPr>
-              <a:t>SongSelect</a:t>
-            </a:r>
-            <a:r>
-              <a:rPr lang="en-GB" sz="1200" dirty="0">
-                <a:solidFill>
-                  <a:schemeClr val="bg1"/>
-                </a:solidFill>
-              </a:rPr>
-              <a:t>® Terms of Use. All rights reserved. www.ccli.com</a:t>
-            </a:r>
-          </a:p>
-          <a:p>
-            <a:endParaRPr lang="en-GB" sz="1200" dirty="0">
-              <a:solidFill>
-                <a:schemeClr val="bg1"/>
-              </a:solidFill>
-            </a:endParaRPr>
-          </a:p>
-          <a:p>
-            <a:r>
-              <a:rPr lang="en-GB" sz="1200" dirty="0">
-                <a:solidFill>
-                  <a:schemeClr val="bg1"/>
-                </a:solidFill>
-              </a:rPr>
-              <a:t>CCLI Licence No. 33265</a:t>
-            </a:r>
-          </a:p>
-        </p:txBody>
-      </p:sp>
     </p:spTree>
     <p:extLst>
       <p:ext uri="{BB962C8B-B14F-4D97-AF65-F5344CB8AC3E}">
-        <p14:creationId xmlns:p14="http://schemas.microsoft.com/office/powerpoint/2010/main" val="3790613485"/>
+        <p14:creationId xmlns:p14="http://schemas.microsoft.com/office/powerpoint/2010/main" val="3845474234"/>
       </p:ext>
     </p:extLst>
   </p:cSld>
@@ -5514,55 +5358,90 @@
           <a:lstStyle/>
           <a:p>
             <a:r>
-              <a:rPr lang="en-GB" sz="6200" dirty="0">
-                <a:solidFill>
-                  <a:schemeClr val="bg1"/>
-                </a:solidFill>
-              </a:rPr>
-              <a:t>Rain, rain on me</a:t>
-            </a:r>
-          </a:p>
-          <a:p>
-            <a:r>
-              <a:rPr lang="en-GB" sz="6200" dirty="0">
-                <a:solidFill>
-                  <a:schemeClr val="bg1"/>
-                </a:solidFill>
-              </a:rPr>
-              <a:t>Open the windows of heaven</a:t>
-            </a:r>
-          </a:p>
-        </p:txBody>
-      </p:sp>
-      <p:sp>
-        <p:nvSpPr>
-          <p:cNvPr id="4" name="TextBox 3"/>
-          <p:cNvSpPr txBox="1"/>
-          <p:nvPr/>
-        </p:nvSpPr>
-        <p:spPr>
-          <a:xfrm>
-            <a:off x="8529729" y="0"/>
-            <a:ext cx="628698" cy="461665"/>
-          </a:xfrm>
-          <a:prstGeom prst="rect">
-            <a:avLst/>
-          </a:prstGeom>
-          <a:noFill/>
-        </p:spPr>
-        <p:txBody>
-          <a:bodyPr wrap="none" rtlCol="0">
-            <a:spAutoFit/>
-          </a:bodyPr>
-          <a:lstStyle/>
-          <a:p>
-            <a:r>
-              <a:rPr lang="en-GB" sz="2400" b="1" dirty="0">
-                <a:solidFill>
-                  <a:schemeClr val="bg1"/>
-                </a:solidFill>
-              </a:rPr>
-              <a:t>1/2</a:t>
+              <a:rPr lang="en-GB" sz="9600" dirty="0">
+                <a:solidFill>
+                  <a:schemeClr val="bg1"/>
+                </a:solidFill>
+              </a:rPr>
+              <a:t>Jesus at the </a:t>
+            </a:r>
+            <a:r>
+              <a:rPr lang="en-GB" sz="9600" dirty="0" err="1">
+                <a:solidFill>
+                  <a:schemeClr val="bg1"/>
+                </a:solidFill>
+              </a:rPr>
+              <a:t>Center</a:t>
+            </a:r>
+            <a:endParaRPr lang="en-GB" sz="9600" dirty="0">
+              <a:solidFill>
+                <a:schemeClr val="bg1"/>
+              </a:solidFill>
+            </a:endParaRPr>
+          </a:p>
+          <a:p>
+            <a:r>
+              <a:rPr lang="en-GB" sz="1200" dirty="0"/>
+              <a:t>CCLI Song # 6115180</a:t>
+            </a:r>
+          </a:p>
+          <a:p>
+            <a:endParaRPr lang="en-GB" sz="1200" dirty="0"/>
+          </a:p>
+          <a:p>
+            <a:r>
+              <a:rPr lang="en-GB" sz="1200" dirty="0"/>
+              <a:t>Adam Ranney | Israel Houghton | Micah Massey</a:t>
+            </a:r>
+          </a:p>
+          <a:p>
+            <a:endParaRPr lang="en-GB" sz="1200" dirty="0"/>
+          </a:p>
+          <a:p>
+            <a:r>
+              <a:rPr lang="en-GB" sz="1200" dirty="0"/>
+              <a:t>© 2011 Integrity Worship Music (Admin. by Integrity Music Ltd)</a:t>
+            </a:r>
+          </a:p>
+          <a:p>
+            <a:r>
+              <a:rPr lang="en-GB" sz="1200" dirty="0"/>
+              <a:t>Integrity's Praise! Music (Admin. by Integrity Music Ltd)</a:t>
+            </a:r>
+          </a:p>
+          <a:p>
+            <a:r>
+              <a:rPr lang="en-GB" sz="1200" dirty="0"/>
+              <a:t>Sound Of The New Breed (Admin. by Integrity Music Ltd)</a:t>
+            </a:r>
+          </a:p>
+          <a:p>
+            <a:r>
+              <a:rPr lang="en-GB" sz="1200" dirty="0"/>
+              <a:t>Heart Anthem Music (Admin. by Song Solutions www.songsolutions.org)</a:t>
+            </a:r>
+          </a:p>
+          <a:p>
+            <a:r>
+              <a:rPr lang="en-GB" sz="1200" dirty="0"/>
+              <a:t>For use solely with the </a:t>
+            </a:r>
+            <a:r>
+              <a:rPr lang="en-GB" sz="1200" dirty="0" err="1"/>
+              <a:t>SongSelect</a:t>
+            </a:r>
+            <a:r>
+              <a:rPr lang="en-GB" sz="1200" dirty="0"/>
+              <a:t>® Terms of Use. All rights reserved. www.ccli.com</a:t>
+            </a:r>
+          </a:p>
+          <a:p>
+            <a:endParaRPr lang="en-GB" sz="1200" dirty="0"/>
+          </a:p>
+          <a:p>
+            <a:r>
+              <a:rPr lang="en-GB" sz="1200" dirty="0"/>
+              <a:t>CCLI Licence No. 33265</a:t>
             </a:r>
           </a:p>
         </p:txBody>
@@ -5570,7 +5449,7 @@
     </p:spTree>
     <p:extLst>
       <p:ext uri="{BB962C8B-B14F-4D97-AF65-F5344CB8AC3E}">
-        <p14:creationId xmlns:p14="http://schemas.microsoft.com/office/powerpoint/2010/main" val="452335695"/>
+        <p14:creationId xmlns:p14="http://schemas.microsoft.com/office/powerpoint/2010/main" val="563154322"/>
       </p:ext>
     </p:extLst>
   </p:cSld>
@@ -5609,8 +5488,8 @@
         </p:nvSpPr>
         <p:spPr>
           <a:xfrm>
-            <a:off x="323528" y="188640"/>
-            <a:ext cx="8640960" cy="6480720"/>
+            <a:off x="323528" y="0"/>
+            <a:ext cx="8640960" cy="6669360"/>
           </a:xfrm>
         </p:spPr>
         <p:txBody>
@@ -5625,17 +5504,23 @@
                   <a:schemeClr val="bg1"/>
                 </a:solidFill>
               </a:rPr>
-              <a:t>Open up the heavens</a:t>
-            </a:r>
-          </a:p>
-          <a:p>
+              <a:t>Jesus at the </a:t>
+            </a:r>
+            <a:r>
+              <a:rPr lang="en-GB" sz="5400" dirty="0" err="1">
+                <a:solidFill>
+                  <a:schemeClr val="bg1"/>
+                </a:solidFill>
+              </a:rPr>
+              <a:t>center</a:t>
+            </a:r>
             <a:r>
               <a:rPr lang="en-GB" sz="5400" dirty="0">
                 <a:solidFill>
                   <a:schemeClr val="bg1"/>
                 </a:solidFill>
               </a:rPr>
-              <a:t>Pouring out a blessing</a:t>
+              <a:t> of it all</a:t>
             </a:r>
           </a:p>
           <a:p>
@@ -5645,18 +5530,57 @@
                   <a:schemeClr val="bg1"/>
                 </a:solidFill>
               </a:rPr>
-              <a:t>Lord we need refreshing</a:t>
-            </a:r>
-          </a:p>
-          <a:p>
+              <a:t>Jesus at the </a:t>
+            </a:r>
+            <a:r>
+              <a:rPr lang="en-GB" sz="5400" dirty="0" err="1">
+                <a:solidFill>
+                  <a:schemeClr val="bg1"/>
+                </a:solidFill>
+              </a:rPr>
+              <a:t>center</a:t>
+            </a:r>
             <a:r>
               <a:rPr lang="en-GB" sz="5400" dirty="0">
                 <a:solidFill>
                   <a:schemeClr val="bg1"/>
                 </a:solidFill>
               </a:rPr>
-              <a:t>Till it overflows</a:t>
-            </a:r>
+              <a:t> of it all</a:t>
+            </a:r>
+          </a:p>
+          <a:p>
+            <a:r>
+              <a:rPr lang="en-GB" sz="5400" dirty="0">
+                <a:solidFill>
+                  <a:schemeClr val="bg1"/>
+                </a:solidFill>
+              </a:rPr>
+              <a:t>From beginning to the end</a:t>
+            </a:r>
+          </a:p>
+          <a:p>
+            <a:r>
+              <a:rPr lang="en-GB" sz="5400" dirty="0">
+                <a:solidFill>
+                  <a:schemeClr val="bg1"/>
+                </a:solidFill>
+              </a:rPr>
+              <a:t>It will always be it's always been You Jesus </a:t>
+            </a:r>
+            <a:r>
+              <a:rPr lang="en-GB" sz="5400" dirty="0" err="1">
+                <a:solidFill>
+                  <a:schemeClr val="bg1"/>
+                </a:solidFill>
+              </a:rPr>
+              <a:t>Jesus</a:t>
+            </a:r>
+            <a:endParaRPr lang="en-GB" sz="5400" dirty="0">
+              <a:solidFill>
+                <a:schemeClr val="bg1"/>
+              </a:solidFill>
+            </a:endParaRPr>
           </a:p>
         </p:txBody>
       </p:sp>
@@ -5688,7 +5612,7 @@
                   <a:schemeClr val="bg1"/>
                 </a:solidFill>
               </a:rPr>
-              <a:t>2/2</a:t>
+              <a:t>1/5</a:t>
             </a:r>
           </a:p>
         </p:txBody>
@@ -5696,7 +5620,667 @@
     </p:spTree>
     <p:extLst>
       <p:ext uri="{BB962C8B-B14F-4D97-AF65-F5344CB8AC3E}">
-        <p14:creationId xmlns:p14="http://schemas.microsoft.com/office/powerpoint/2010/main" val="1590219814"/>
+        <p14:creationId xmlns:p14="http://schemas.microsoft.com/office/powerpoint/2010/main" val="335421693"/>
+      </p:ext>
+    </p:extLst>
+  </p:cSld>
+  <p:clrMapOvr>
+    <a:masterClrMapping/>
+  </p:clrMapOvr>
+</p:sld>
+</file>
+
+<file path=ppt/slides/slide26.xml><?xml version="1.0" encoding="utf-8"?>
+<p:sld xmlns:a="http://schemas.openxmlformats.org/drawingml/2006/main" xmlns:r="http://schemas.openxmlformats.org/officeDocument/2006/relationships" xmlns:p="http://schemas.openxmlformats.org/presentationml/2006/main">
+  <p:cSld>
+    <p:spTree>
+      <p:nvGrpSpPr>
+        <p:cNvPr id="1" name=""/>
+        <p:cNvGrpSpPr/>
+        <p:nvPr/>
+      </p:nvGrpSpPr>
+      <p:grpSpPr>
+        <a:xfrm>
+          <a:off x="0" y="0"/>
+          <a:ext cx="0" cy="0"/>
+          <a:chOff x="0" y="0"/>
+          <a:chExt cx="0" cy="0"/>
+        </a:xfrm>
+      </p:grpSpPr>
+      <p:sp>
+        <p:nvSpPr>
+          <p:cNvPr id="3" name="Subtitle 2"/>
+          <p:cNvSpPr>
+            <a:spLocks noGrp="1"/>
+          </p:cNvSpPr>
+          <p:nvPr>
+            <p:ph type="subTitle" idx="1"/>
+          </p:nvPr>
+        </p:nvSpPr>
+        <p:spPr>
+          <a:xfrm>
+            <a:off x="323528" y="0"/>
+            <a:ext cx="8640960" cy="6669360"/>
+          </a:xfrm>
+        </p:spPr>
+        <p:txBody>
+          <a:bodyPr>
+            <a:noAutofit/>
+          </a:bodyPr>
+          <a:lstStyle/>
+          <a:p>
+            <a:r>
+              <a:rPr lang="en-GB" sz="4800" dirty="0">
+                <a:solidFill>
+                  <a:schemeClr val="bg1"/>
+                </a:solidFill>
+              </a:rPr>
+              <a:t>And nothing else matters</a:t>
+            </a:r>
+          </a:p>
+          <a:p>
+            <a:r>
+              <a:rPr lang="en-GB" sz="4800" dirty="0">
+                <a:solidFill>
+                  <a:schemeClr val="bg1"/>
+                </a:solidFill>
+              </a:rPr>
+              <a:t>Nothing in this world will do</a:t>
+            </a:r>
+          </a:p>
+          <a:p>
+            <a:r>
+              <a:rPr lang="en-GB" sz="4800" dirty="0">
+                <a:solidFill>
+                  <a:schemeClr val="bg1"/>
+                </a:solidFill>
+              </a:rPr>
+              <a:t>Jesus You're the </a:t>
+            </a:r>
+            <a:r>
+              <a:rPr lang="en-GB" sz="4800" dirty="0" err="1">
+                <a:solidFill>
+                  <a:schemeClr val="bg1"/>
+                </a:solidFill>
+              </a:rPr>
+              <a:t>center</a:t>
+            </a:r>
+            <a:endParaRPr lang="en-GB" sz="4800" dirty="0">
+              <a:solidFill>
+                <a:schemeClr val="bg1"/>
+              </a:solidFill>
+            </a:endParaRPr>
+          </a:p>
+          <a:p>
+            <a:r>
+              <a:rPr lang="en-GB" sz="4800" dirty="0" err="1">
+                <a:solidFill>
+                  <a:schemeClr val="bg1"/>
+                </a:solidFill>
+              </a:rPr>
+              <a:t>Ev'rything</a:t>
+            </a:r>
+            <a:r>
+              <a:rPr lang="en-GB" sz="4800" dirty="0">
+                <a:solidFill>
+                  <a:schemeClr val="bg1"/>
+                </a:solidFill>
+              </a:rPr>
+              <a:t> revolves around You Jesus You</a:t>
+            </a:r>
+          </a:p>
+        </p:txBody>
+      </p:sp>
+      <p:sp>
+        <p:nvSpPr>
+          <p:cNvPr id="4" name="TextBox 3"/>
+          <p:cNvSpPr txBox="1"/>
+          <p:nvPr/>
+        </p:nvSpPr>
+        <p:spPr>
+          <a:xfrm>
+            <a:off x="8529729" y="0"/>
+            <a:ext cx="628698" cy="461665"/>
+          </a:xfrm>
+          <a:prstGeom prst="rect">
+            <a:avLst/>
+          </a:prstGeom>
+          <a:noFill/>
+        </p:spPr>
+        <p:txBody>
+          <a:bodyPr wrap="none" rtlCol="0">
+            <a:spAutoFit/>
+          </a:bodyPr>
+          <a:lstStyle/>
+          <a:p>
+            <a:r>
+              <a:rPr lang="en-GB" sz="2400" b="1" dirty="0">
+                <a:solidFill>
+                  <a:schemeClr val="bg1"/>
+                </a:solidFill>
+              </a:rPr>
+              <a:t>2/5</a:t>
+            </a:r>
+          </a:p>
+        </p:txBody>
+      </p:sp>
+    </p:spTree>
+    <p:extLst>
+      <p:ext uri="{BB962C8B-B14F-4D97-AF65-F5344CB8AC3E}">
+        <p14:creationId xmlns:p14="http://schemas.microsoft.com/office/powerpoint/2010/main" val="3932131227"/>
+      </p:ext>
+    </p:extLst>
+  </p:cSld>
+  <p:clrMapOvr>
+    <a:masterClrMapping/>
+  </p:clrMapOvr>
+</p:sld>
+</file>
+
+<file path=ppt/slides/slide27.xml><?xml version="1.0" encoding="utf-8"?>
+<p:sld xmlns:a="http://schemas.openxmlformats.org/drawingml/2006/main" xmlns:r="http://schemas.openxmlformats.org/officeDocument/2006/relationships" xmlns:p="http://schemas.openxmlformats.org/presentationml/2006/main">
+  <p:cSld>
+    <p:spTree>
+      <p:nvGrpSpPr>
+        <p:cNvPr id="1" name=""/>
+        <p:cNvGrpSpPr/>
+        <p:nvPr/>
+      </p:nvGrpSpPr>
+      <p:grpSpPr>
+        <a:xfrm>
+          <a:off x="0" y="0"/>
+          <a:ext cx="0" cy="0"/>
+          <a:chOff x="0" y="0"/>
+          <a:chExt cx="0" cy="0"/>
+        </a:xfrm>
+      </p:grpSpPr>
+      <p:sp>
+        <p:nvSpPr>
+          <p:cNvPr id="3" name="Subtitle 2"/>
+          <p:cNvSpPr>
+            <a:spLocks noGrp="1"/>
+          </p:cNvSpPr>
+          <p:nvPr>
+            <p:ph type="subTitle" idx="1"/>
+          </p:nvPr>
+        </p:nvSpPr>
+        <p:spPr>
+          <a:xfrm>
+            <a:off x="323528" y="0"/>
+            <a:ext cx="8640960" cy="6858000"/>
+          </a:xfrm>
+        </p:spPr>
+        <p:txBody>
+          <a:bodyPr>
+            <a:noAutofit/>
+          </a:bodyPr>
+          <a:lstStyle/>
+          <a:p>
+            <a:r>
+              <a:rPr lang="en-GB" sz="4700" dirty="0">
+                <a:solidFill>
+                  <a:schemeClr val="bg1"/>
+                </a:solidFill>
+              </a:rPr>
+              <a:t>Jesus be the </a:t>
+            </a:r>
+            <a:r>
+              <a:rPr lang="en-GB" sz="4700" dirty="0" err="1">
+                <a:solidFill>
+                  <a:schemeClr val="bg1"/>
+                </a:solidFill>
+              </a:rPr>
+              <a:t>center</a:t>
+            </a:r>
+            <a:r>
+              <a:rPr lang="en-GB" sz="4700" dirty="0">
+                <a:solidFill>
+                  <a:schemeClr val="bg1"/>
+                </a:solidFill>
+              </a:rPr>
+              <a:t> of my life</a:t>
+            </a:r>
+          </a:p>
+          <a:p>
+            <a:r>
+              <a:rPr lang="en-GB" sz="4700" dirty="0">
+                <a:solidFill>
+                  <a:schemeClr val="bg1"/>
+                </a:solidFill>
+              </a:rPr>
+              <a:t>Jesus be the </a:t>
+            </a:r>
+            <a:r>
+              <a:rPr lang="en-GB" sz="4700" dirty="0" err="1">
+                <a:solidFill>
+                  <a:schemeClr val="bg1"/>
+                </a:solidFill>
+              </a:rPr>
+              <a:t>center</a:t>
+            </a:r>
+            <a:r>
+              <a:rPr lang="en-GB" sz="4700" dirty="0">
+                <a:solidFill>
+                  <a:schemeClr val="bg1"/>
+                </a:solidFill>
+              </a:rPr>
+              <a:t> of my life</a:t>
+            </a:r>
+          </a:p>
+          <a:p>
+            <a:r>
+              <a:rPr lang="en-GB" sz="4700" dirty="0">
+                <a:solidFill>
+                  <a:schemeClr val="bg1"/>
+                </a:solidFill>
+              </a:rPr>
+              <a:t>From beginning to the end</a:t>
+            </a:r>
+          </a:p>
+          <a:p>
+            <a:r>
+              <a:rPr lang="en-GB" sz="4700" dirty="0">
+                <a:solidFill>
+                  <a:schemeClr val="bg1"/>
+                </a:solidFill>
+              </a:rPr>
+              <a:t>It will always be it's always been You Jesus </a:t>
+            </a:r>
+            <a:r>
+              <a:rPr lang="en-GB" sz="4700" dirty="0" err="1">
+                <a:solidFill>
+                  <a:schemeClr val="bg1"/>
+                </a:solidFill>
+              </a:rPr>
+              <a:t>Jesus</a:t>
+            </a:r>
+            <a:endParaRPr lang="en-GB" sz="4700" dirty="0">
+              <a:solidFill>
+                <a:schemeClr val="bg1"/>
+              </a:solidFill>
+            </a:endParaRPr>
+          </a:p>
+        </p:txBody>
+      </p:sp>
+      <p:sp>
+        <p:nvSpPr>
+          <p:cNvPr id="4" name="TextBox 3"/>
+          <p:cNvSpPr txBox="1"/>
+          <p:nvPr/>
+        </p:nvSpPr>
+        <p:spPr>
+          <a:xfrm>
+            <a:off x="8529729" y="0"/>
+            <a:ext cx="628698" cy="461665"/>
+          </a:xfrm>
+          <a:prstGeom prst="rect">
+            <a:avLst/>
+          </a:prstGeom>
+          <a:noFill/>
+        </p:spPr>
+        <p:txBody>
+          <a:bodyPr wrap="none" rtlCol="0">
+            <a:spAutoFit/>
+          </a:bodyPr>
+          <a:lstStyle/>
+          <a:p>
+            <a:r>
+              <a:rPr lang="en-GB" sz="2400" b="1" dirty="0">
+                <a:solidFill>
+                  <a:schemeClr val="bg1"/>
+                </a:solidFill>
+              </a:rPr>
+              <a:t>3/5</a:t>
+            </a:r>
+          </a:p>
+        </p:txBody>
+      </p:sp>
+    </p:spTree>
+    <p:extLst>
+      <p:ext uri="{BB962C8B-B14F-4D97-AF65-F5344CB8AC3E}">
+        <p14:creationId xmlns:p14="http://schemas.microsoft.com/office/powerpoint/2010/main" val="3461571171"/>
+      </p:ext>
+    </p:extLst>
+  </p:cSld>
+  <p:clrMapOvr>
+    <a:masterClrMapping/>
+  </p:clrMapOvr>
+</p:sld>
+</file>
+
+<file path=ppt/slides/slide28.xml><?xml version="1.0" encoding="utf-8"?>
+<p:sld xmlns:a="http://schemas.openxmlformats.org/drawingml/2006/main" xmlns:r="http://schemas.openxmlformats.org/officeDocument/2006/relationships" xmlns:p="http://schemas.openxmlformats.org/presentationml/2006/main">
+  <p:cSld>
+    <p:spTree>
+      <p:nvGrpSpPr>
+        <p:cNvPr id="1" name=""/>
+        <p:cNvGrpSpPr/>
+        <p:nvPr/>
+      </p:nvGrpSpPr>
+      <p:grpSpPr>
+        <a:xfrm>
+          <a:off x="0" y="0"/>
+          <a:ext cx="0" cy="0"/>
+          <a:chOff x="0" y="0"/>
+          <a:chExt cx="0" cy="0"/>
+        </a:xfrm>
+      </p:grpSpPr>
+      <p:sp>
+        <p:nvSpPr>
+          <p:cNvPr id="3" name="Subtitle 2"/>
+          <p:cNvSpPr>
+            <a:spLocks noGrp="1"/>
+          </p:cNvSpPr>
+          <p:nvPr>
+            <p:ph type="subTitle" idx="1"/>
+          </p:nvPr>
+        </p:nvSpPr>
+        <p:spPr>
+          <a:xfrm>
+            <a:off x="323528" y="0"/>
+            <a:ext cx="8640960" cy="6858000"/>
+          </a:xfrm>
+        </p:spPr>
+        <p:txBody>
+          <a:bodyPr>
+            <a:noAutofit/>
+          </a:bodyPr>
+          <a:lstStyle/>
+          <a:p>
+            <a:r>
+              <a:rPr lang="en-GB" sz="4700" dirty="0">
+                <a:solidFill>
+                  <a:schemeClr val="bg1"/>
+                </a:solidFill>
+              </a:rPr>
+              <a:t>From my heart to the heavens Jesus be the </a:t>
+            </a:r>
+            <a:r>
+              <a:rPr lang="en-GB" sz="4700" dirty="0" err="1">
+                <a:solidFill>
+                  <a:schemeClr val="bg1"/>
+                </a:solidFill>
+              </a:rPr>
+              <a:t>center</a:t>
+            </a:r>
+            <a:endParaRPr lang="en-GB" sz="4700" dirty="0">
+              <a:solidFill>
+                <a:schemeClr val="bg1"/>
+              </a:solidFill>
+            </a:endParaRPr>
+          </a:p>
+          <a:p>
+            <a:r>
+              <a:rPr lang="en-GB" sz="4700" dirty="0">
+                <a:solidFill>
+                  <a:schemeClr val="bg1"/>
+                </a:solidFill>
+              </a:rPr>
+              <a:t>It's all about You yes it's all about You</a:t>
+            </a:r>
+          </a:p>
+          <a:p>
+            <a:r>
+              <a:rPr lang="en-GB" sz="4700" dirty="0">
+                <a:solidFill>
+                  <a:schemeClr val="bg1"/>
+                </a:solidFill>
+              </a:rPr>
+              <a:t>From my heart to the heavens Jesus be the </a:t>
+            </a:r>
+            <a:r>
+              <a:rPr lang="en-GB" sz="4700" dirty="0" err="1">
+                <a:solidFill>
+                  <a:schemeClr val="bg1"/>
+                </a:solidFill>
+              </a:rPr>
+              <a:t>center</a:t>
+            </a:r>
+            <a:endParaRPr lang="en-GB" sz="4700" dirty="0">
+              <a:solidFill>
+                <a:schemeClr val="bg1"/>
+              </a:solidFill>
+            </a:endParaRPr>
+          </a:p>
+          <a:p>
+            <a:r>
+              <a:rPr lang="en-GB" sz="4700" dirty="0">
+                <a:solidFill>
+                  <a:schemeClr val="bg1"/>
+                </a:solidFill>
+              </a:rPr>
+              <a:t>It's all about You yes it's all about You</a:t>
+            </a:r>
+          </a:p>
+        </p:txBody>
+      </p:sp>
+      <p:sp>
+        <p:nvSpPr>
+          <p:cNvPr id="4" name="TextBox 3"/>
+          <p:cNvSpPr txBox="1"/>
+          <p:nvPr/>
+        </p:nvSpPr>
+        <p:spPr>
+          <a:xfrm>
+            <a:off x="8529729" y="0"/>
+            <a:ext cx="628698" cy="461665"/>
+          </a:xfrm>
+          <a:prstGeom prst="rect">
+            <a:avLst/>
+          </a:prstGeom>
+          <a:noFill/>
+        </p:spPr>
+        <p:txBody>
+          <a:bodyPr wrap="none" rtlCol="0">
+            <a:spAutoFit/>
+          </a:bodyPr>
+          <a:lstStyle/>
+          <a:p>
+            <a:r>
+              <a:rPr lang="en-GB" sz="2400" b="1" dirty="0">
+                <a:solidFill>
+                  <a:schemeClr val="bg1"/>
+                </a:solidFill>
+              </a:rPr>
+              <a:t>4/5</a:t>
+            </a:r>
+          </a:p>
+        </p:txBody>
+      </p:sp>
+    </p:spTree>
+    <p:extLst>
+      <p:ext uri="{BB962C8B-B14F-4D97-AF65-F5344CB8AC3E}">
+        <p14:creationId xmlns:p14="http://schemas.microsoft.com/office/powerpoint/2010/main" val="2467338979"/>
+      </p:ext>
+    </p:extLst>
+  </p:cSld>
+  <p:clrMapOvr>
+    <a:masterClrMapping/>
+  </p:clrMapOvr>
+</p:sld>
+</file>
+
+<file path=ppt/slides/slide29.xml><?xml version="1.0" encoding="utf-8"?>
+<p:sld xmlns:a="http://schemas.openxmlformats.org/drawingml/2006/main" xmlns:r="http://schemas.openxmlformats.org/officeDocument/2006/relationships" xmlns:p="http://schemas.openxmlformats.org/presentationml/2006/main">
+  <p:cSld>
+    <p:spTree>
+      <p:nvGrpSpPr>
+        <p:cNvPr id="1" name=""/>
+        <p:cNvGrpSpPr/>
+        <p:nvPr/>
+      </p:nvGrpSpPr>
+      <p:grpSpPr>
+        <a:xfrm>
+          <a:off x="0" y="0"/>
+          <a:ext cx="0" cy="0"/>
+          <a:chOff x="0" y="0"/>
+          <a:chExt cx="0" cy="0"/>
+        </a:xfrm>
+      </p:grpSpPr>
+      <p:sp>
+        <p:nvSpPr>
+          <p:cNvPr id="3" name="Subtitle 2"/>
+          <p:cNvSpPr>
+            <a:spLocks noGrp="1"/>
+          </p:cNvSpPr>
+          <p:nvPr>
+            <p:ph type="subTitle" idx="1"/>
+          </p:nvPr>
+        </p:nvSpPr>
+        <p:spPr>
+          <a:xfrm>
+            <a:off x="323528" y="588474"/>
+            <a:ext cx="8640960" cy="6269525"/>
+          </a:xfrm>
+        </p:spPr>
+        <p:txBody>
+          <a:bodyPr>
+            <a:noAutofit/>
+          </a:bodyPr>
+          <a:lstStyle/>
+          <a:p>
+            <a:r>
+              <a:rPr lang="en-GB" sz="4700" dirty="0">
+                <a:solidFill>
+                  <a:schemeClr val="bg1"/>
+                </a:solidFill>
+              </a:rPr>
+              <a:t>Jesus be the </a:t>
+            </a:r>
+            <a:r>
+              <a:rPr lang="en-GB" sz="4700" dirty="0" err="1">
+                <a:solidFill>
+                  <a:schemeClr val="bg1"/>
+                </a:solidFill>
+              </a:rPr>
+              <a:t>center</a:t>
+            </a:r>
+            <a:r>
+              <a:rPr lang="en-GB" sz="4700" dirty="0">
+                <a:solidFill>
+                  <a:schemeClr val="bg1"/>
+                </a:solidFill>
+              </a:rPr>
+              <a:t> of Your church</a:t>
+            </a:r>
+          </a:p>
+          <a:p>
+            <a:r>
+              <a:rPr lang="en-GB" sz="4700" dirty="0">
+                <a:solidFill>
+                  <a:schemeClr val="bg1"/>
+                </a:solidFill>
+              </a:rPr>
+              <a:t>Jesus be the </a:t>
+            </a:r>
+            <a:r>
+              <a:rPr lang="en-GB" sz="4700" dirty="0" err="1">
+                <a:solidFill>
+                  <a:schemeClr val="bg1"/>
+                </a:solidFill>
+              </a:rPr>
+              <a:t>center</a:t>
+            </a:r>
+            <a:r>
+              <a:rPr lang="en-GB" sz="4700" dirty="0">
+                <a:solidFill>
+                  <a:schemeClr val="bg1"/>
+                </a:solidFill>
+              </a:rPr>
+              <a:t> of Your church</a:t>
+            </a:r>
+          </a:p>
+          <a:p>
+            <a:r>
+              <a:rPr lang="en-GB" sz="4700" dirty="0">
+                <a:solidFill>
+                  <a:schemeClr val="bg1"/>
+                </a:solidFill>
+              </a:rPr>
+              <a:t>And </a:t>
+            </a:r>
+            <a:r>
+              <a:rPr lang="en-GB" sz="4700" dirty="0" err="1">
+                <a:solidFill>
+                  <a:schemeClr val="bg1"/>
+                </a:solidFill>
+              </a:rPr>
+              <a:t>ev'ry</a:t>
+            </a:r>
+            <a:r>
+              <a:rPr lang="en-GB" sz="4700" dirty="0">
+                <a:solidFill>
+                  <a:schemeClr val="bg1"/>
+                </a:solidFill>
+              </a:rPr>
+              <a:t> knee will bow</a:t>
+            </a:r>
+          </a:p>
+          <a:p>
+            <a:r>
+              <a:rPr lang="en-GB" sz="4700" dirty="0">
+                <a:solidFill>
+                  <a:schemeClr val="bg1"/>
+                </a:solidFill>
+              </a:rPr>
+              <a:t>And </a:t>
+            </a:r>
+            <a:r>
+              <a:rPr lang="en-GB" sz="4700" dirty="0" err="1">
+                <a:solidFill>
+                  <a:schemeClr val="bg1"/>
+                </a:solidFill>
+              </a:rPr>
+              <a:t>ev'ry</a:t>
+            </a:r>
+            <a:r>
+              <a:rPr lang="en-GB" sz="4700" dirty="0">
+                <a:solidFill>
+                  <a:schemeClr val="bg1"/>
+                </a:solidFill>
+              </a:rPr>
+              <a:t> tongue shall confess You</a:t>
+            </a:r>
+          </a:p>
+        </p:txBody>
+      </p:sp>
+      <p:sp>
+        <p:nvSpPr>
+          <p:cNvPr id="4" name="TextBox 3"/>
+          <p:cNvSpPr txBox="1"/>
+          <p:nvPr/>
+        </p:nvSpPr>
+        <p:spPr>
+          <a:xfrm>
+            <a:off x="8529729" y="0"/>
+            <a:ext cx="628698" cy="461665"/>
+          </a:xfrm>
+          <a:prstGeom prst="rect">
+            <a:avLst/>
+          </a:prstGeom>
+          <a:noFill/>
+        </p:spPr>
+        <p:txBody>
+          <a:bodyPr wrap="none" rtlCol="0">
+            <a:spAutoFit/>
+          </a:bodyPr>
+          <a:lstStyle/>
+          <a:p>
+            <a:r>
+              <a:rPr lang="en-GB" sz="2400" b="1" dirty="0">
+                <a:solidFill>
+                  <a:schemeClr val="bg1"/>
+                </a:solidFill>
+              </a:rPr>
+              <a:t>5/5</a:t>
+            </a:r>
+          </a:p>
+        </p:txBody>
+      </p:sp>
+    </p:spTree>
+    <p:extLst>
+      <p:ext uri="{BB962C8B-B14F-4D97-AF65-F5344CB8AC3E}">
+        <p14:creationId xmlns:p14="http://schemas.microsoft.com/office/powerpoint/2010/main" val="2116406398"/>
       </p:ext>
     </p:extLst>
   </p:cSld>
@@ -5751,7 +6335,7 @@
                   <a:schemeClr val="bg1"/>
                 </a:solidFill>
               </a:rPr>
-              <a:t>Sing unto the Lord a new song</a:t>
+              <a:t>Lord I lift Your name on high</a:t>
             </a:r>
           </a:p>
           <a:p>
@@ -5761,7 +6345,7 @@
                   <a:schemeClr val="bg1"/>
                 </a:solidFill>
               </a:rPr>
-              <a:t>Bless Him praise Him</a:t>
+              <a:t>Lord I love to sing Your praises</a:t>
             </a:r>
           </a:p>
           <a:p>
@@ -5771,7 +6355,7 @@
                   <a:schemeClr val="bg1"/>
                 </a:solidFill>
               </a:rPr>
-              <a:t>Lift Him higher</a:t>
+              <a:t>I'm so glad You're in my life</a:t>
             </a:r>
           </a:p>
           <a:p>
@@ -5781,27 +6365,7 @@
                   <a:schemeClr val="bg1"/>
                 </a:solidFill>
               </a:rPr>
-              <a:t>All you chosen generation</a:t>
-            </a:r>
-          </a:p>
-          <a:p>
-            <a:r>
-              <a:rPr lang="en-GB" sz="5400" dirty="0">
-                <a:solidFill>
-                  <a:schemeClr val="bg1"/>
-                </a:solidFill>
-              </a:rPr>
-              <a:t>Dance and celebrate</a:t>
-            </a:r>
-          </a:p>
-          <a:p>
-            <a:r>
-              <a:rPr lang="en-GB" sz="5400" dirty="0">
-                <a:solidFill>
-                  <a:schemeClr val="bg1"/>
-                </a:solidFill>
-              </a:rPr>
-              <a:t>(REPEAT)</a:t>
+              <a:t>I'm so glad You came to save us</a:t>
             </a:r>
           </a:p>
         </p:txBody>
@@ -5834,7 +6398,7 @@
                   <a:schemeClr val="bg1"/>
                 </a:solidFill>
               </a:rPr>
-              <a:t>1/3</a:t>
+              <a:t>1/2</a:t>
             </a:r>
           </a:p>
         </p:txBody>
@@ -5842,7 +6406,927 @@
     </p:spTree>
     <p:extLst>
       <p:ext uri="{BB962C8B-B14F-4D97-AF65-F5344CB8AC3E}">
-        <p14:creationId xmlns:p14="http://schemas.microsoft.com/office/powerpoint/2010/main" val="1146950907"/>
+        <p14:creationId xmlns:p14="http://schemas.microsoft.com/office/powerpoint/2010/main" val="392414509"/>
+      </p:ext>
+    </p:extLst>
+  </p:cSld>
+  <p:clrMapOvr>
+    <a:masterClrMapping/>
+  </p:clrMapOvr>
+</p:sld>
+</file>
+
+<file path=ppt/slides/slide30.xml><?xml version="1.0" encoding="utf-8"?>
+<p:sld xmlns:a="http://schemas.openxmlformats.org/drawingml/2006/main" xmlns:r="http://schemas.openxmlformats.org/officeDocument/2006/relationships" xmlns:p="http://schemas.openxmlformats.org/presentationml/2006/main">
+  <p:cSld>
+    <p:spTree>
+      <p:nvGrpSpPr>
+        <p:cNvPr id="1" name=""/>
+        <p:cNvGrpSpPr/>
+        <p:nvPr/>
+      </p:nvGrpSpPr>
+      <p:grpSpPr>
+        <a:xfrm>
+          <a:off x="0" y="0"/>
+          <a:ext cx="0" cy="0"/>
+          <a:chOff x="0" y="0"/>
+          <a:chExt cx="0" cy="0"/>
+        </a:xfrm>
+      </p:grpSpPr>
+      <p:sp>
+        <p:nvSpPr>
+          <p:cNvPr id="3" name="Subtitle 2"/>
+          <p:cNvSpPr>
+            <a:spLocks noGrp="1"/>
+          </p:cNvSpPr>
+          <p:nvPr>
+            <p:ph type="subTitle" idx="1"/>
+          </p:nvPr>
+        </p:nvSpPr>
+        <p:spPr>
+          <a:xfrm>
+            <a:off x="323528" y="188640"/>
+            <a:ext cx="8640960" cy="6480720"/>
+          </a:xfrm>
+        </p:spPr>
+        <p:txBody>
+          <a:bodyPr>
+            <a:noAutofit/>
+          </a:bodyPr>
+          <a:lstStyle/>
+          <a:p>
+            <a:endParaRPr lang="en-GB" sz="9600" dirty="0"/>
+          </a:p>
+          <a:p>
+            <a:r>
+              <a:rPr lang="en-GB" sz="9600" dirty="0">
+                <a:solidFill>
+                  <a:schemeClr val="bg1"/>
+                </a:solidFill>
+              </a:rPr>
+              <a:t>The Stand</a:t>
+            </a:r>
+          </a:p>
+          <a:p>
+            <a:r>
+              <a:rPr lang="en-GB" sz="1200" dirty="0"/>
+              <a:t>CCLI Song # 4705248</a:t>
+            </a:r>
+          </a:p>
+          <a:p>
+            <a:endParaRPr lang="en-GB" sz="1200" dirty="0"/>
+          </a:p>
+          <a:p>
+            <a:r>
+              <a:rPr lang="en-GB" sz="1200" dirty="0"/>
+              <a:t>Joel Houston</a:t>
+            </a:r>
+          </a:p>
+          <a:p>
+            <a:endParaRPr lang="en-GB" sz="1200" dirty="0"/>
+          </a:p>
+          <a:p>
+            <a:r>
+              <a:rPr lang="en-GB" sz="1200" dirty="0"/>
+              <a:t>© 2005 Hillsong Music Publishing Australia (Admin. by Hillsong Music Publishing UK)</a:t>
+            </a:r>
+          </a:p>
+          <a:p>
+            <a:r>
+              <a:rPr lang="en-GB" sz="1200" dirty="0"/>
+              <a:t>For use solely with the </a:t>
+            </a:r>
+            <a:r>
+              <a:rPr lang="en-GB" sz="1200" dirty="0" err="1"/>
+              <a:t>SongSelect</a:t>
+            </a:r>
+            <a:r>
+              <a:rPr lang="en-GB" sz="1200" dirty="0"/>
+              <a:t>® Terms of Use. All rights reserved. www.ccli.com</a:t>
+            </a:r>
+          </a:p>
+          <a:p>
+            <a:endParaRPr lang="en-GB" sz="1200" dirty="0"/>
+          </a:p>
+          <a:p>
+            <a:r>
+              <a:rPr lang="en-GB" sz="1200" dirty="0"/>
+              <a:t>CCLI Licence No. 33265</a:t>
+            </a:r>
+          </a:p>
+          <a:p>
+            <a:endParaRPr lang="en-GB" sz="1200" dirty="0"/>
+          </a:p>
+        </p:txBody>
+      </p:sp>
+    </p:spTree>
+    <p:extLst>
+      <p:ext uri="{BB962C8B-B14F-4D97-AF65-F5344CB8AC3E}">
+        <p14:creationId xmlns:p14="http://schemas.microsoft.com/office/powerpoint/2010/main" val="3308045615"/>
+      </p:ext>
+    </p:extLst>
+  </p:cSld>
+  <p:clrMapOvr>
+    <a:masterClrMapping/>
+  </p:clrMapOvr>
+</p:sld>
+</file>
+
+<file path=ppt/slides/slide31.xml><?xml version="1.0" encoding="utf-8"?>
+<p:sld xmlns:a="http://schemas.openxmlformats.org/drawingml/2006/main" xmlns:r="http://schemas.openxmlformats.org/officeDocument/2006/relationships" xmlns:p="http://schemas.openxmlformats.org/presentationml/2006/main">
+  <p:cSld>
+    <p:spTree>
+      <p:nvGrpSpPr>
+        <p:cNvPr id="1" name=""/>
+        <p:cNvGrpSpPr/>
+        <p:nvPr/>
+      </p:nvGrpSpPr>
+      <p:grpSpPr>
+        <a:xfrm>
+          <a:off x="0" y="0"/>
+          <a:ext cx="0" cy="0"/>
+          <a:chOff x="0" y="0"/>
+          <a:chExt cx="0" cy="0"/>
+        </a:xfrm>
+      </p:grpSpPr>
+      <p:sp>
+        <p:nvSpPr>
+          <p:cNvPr id="3" name="Subtitle 2"/>
+          <p:cNvSpPr>
+            <a:spLocks noGrp="1"/>
+          </p:cNvSpPr>
+          <p:nvPr>
+            <p:ph type="subTitle" idx="1"/>
+          </p:nvPr>
+        </p:nvSpPr>
+        <p:spPr>
+          <a:xfrm>
+            <a:off x="323528" y="188640"/>
+            <a:ext cx="8640960" cy="6480720"/>
+          </a:xfrm>
+        </p:spPr>
+        <p:txBody>
+          <a:bodyPr>
+            <a:noAutofit/>
+          </a:bodyPr>
+          <a:lstStyle/>
+          <a:p>
+            <a:r>
+              <a:rPr lang="en-GB" sz="5400" dirty="0">
+                <a:solidFill>
+                  <a:schemeClr val="bg1"/>
+                </a:solidFill>
+              </a:rPr>
+              <a:t>You stood before creation</a:t>
+            </a:r>
+          </a:p>
+          <a:p>
+            <a:r>
+              <a:rPr lang="en-GB" sz="5400" dirty="0">
+                <a:solidFill>
+                  <a:schemeClr val="bg1"/>
+                </a:solidFill>
+              </a:rPr>
+              <a:t>Eternity in Your hand</a:t>
+            </a:r>
+          </a:p>
+          <a:p>
+            <a:r>
+              <a:rPr lang="en-GB" sz="5400" dirty="0">
+                <a:solidFill>
+                  <a:schemeClr val="bg1"/>
+                </a:solidFill>
+              </a:rPr>
+              <a:t>You spoke the earth into motion</a:t>
+            </a:r>
+          </a:p>
+          <a:p>
+            <a:r>
+              <a:rPr lang="en-GB" sz="5400" dirty="0">
+                <a:solidFill>
+                  <a:schemeClr val="bg1"/>
+                </a:solidFill>
+              </a:rPr>
+              <a:t>My soul now to stan</a:t>
+            </a:r>
+          </a:p>
+        </p:txBody>
+      </p:sp>
+      <p:sp>
+        <p:nvSpPr>
+          <p:cNvPr id="4" name="TextBox 3"/>
+          <p:cNvSpPr txBox="1"/>
+          <p:nvPr/>
+        </p:nvSpPr>
+        <p:spPr>
+          <a:xfrm>
+            <a:off x="8529729" y="0"/>
+            <a:ext cx="628698" cy="461665"/>
+          </a:xfrm>
+          <a:prstGeom prst="rect">
+            <a:avLst/>
+          </a:prstGeom>
+          <a:noFill/>
+        </p:spPr>
+        <p:txBody>
+          <a:bodyPr wrap="none" rtlCol="0">
+            <a:spAutoFit/>
+          </a:bodyPr>
+          <a:lstStyle/>
+          <a:p>
+            <a:r>
+              <a:rPr lang="en-GB" sz="2400" b="1" dirty="0">
+                <a:solidFill>
+                  <a:schemeClr val="bg1"/>
+                </a:solidFill>
+              </a:rPr>
+              <a:t>1/6</a:t>
+            </a:r>
+          </a:p>
+        </p:txBody>
+      </p:sp>
+    </p:spTree>
+    <p:extLst>
+      <p:ext uri="{BB962C8B-B14F-4D97-AF65-F5344CB8AC3E}">
+        <p14:creationId xmlns:p14="http://schemas.microsoft.com/office/powerpoint/2010/main" val="163130024"/>
+      </p:ext>
+    </p:extLst>
+  </p:cSld>
+  <p:clrMapOvr>
+    <a:masterClrMapping/>
+  </p:clrMapOvr>
+</p:sld>
+</file>
+
+<file path=ppt/slides/slide32.xml><?xml version="1.0" encoding="utf-8"?>
+<p:sld xmlns:a="http://schemas.openxmlformats.org/drawingml/2006/main" xmlns:r="http://schemas.openxmlformats.org/officeDocument/2006/relationships" xmlns:p="http://schemas.openxmlformats.org/presentationml/2006/main">
+  <p:cSld>
+    <p:spTree>
+      <p:nvGrpSpPr>
+        <p:cNvPr id="1" name=""/>
+        <p:cNvGrpSpPr/>
+        <p:nvPr/>
+      </p:nvGrpSpPr>
+      <p:grpSpPr>
+        <a:xfrm>
+          <a:off x="0" y="0"/>
+          <a:ext cx="0" cy="0"/>
+          <a:chOff x="0" y="0"/>
+          <a:chExt cx="0" cy="0"/>
+        </a:xfrm>
+      </p:grpSpPr>
+      <p:sp>
+        <p:nvSpPr>
+          <p:cNvPr id="3" name="Subtitle 2"/>
+          <p:cNvSpPr>
+            <a:spLocks noGrp="1"/>
+          </p:cNvSpPr>
+          <p:nvPr>
+            <p:ph type="subTitle" idx="1"/>
+          </p:nvPr>
+        </p:nvSpPr>
+        <p:spPr>
+          <a:xfrm>
+            <a:off x="323528" y="188640"/>
+            <a:ext cx="8640960" cy="6480720"/>
+          </a:xfrm>
+        </p:spPr>
+        <p:txBody>
+          <a:bodyPr>
+            <a:noAutofit/>
+          </a:bodyPr>
+          <a:lstStyle/>
+          <a:p>
+            <a:r>
+              <a:rPr lang="en-GB" sz="5400" dirty="0">
+                <a:solidFill>
+                  <a:schemeClr val="bg1"/>
+                </a:solidFill>
+              </a:rPr>
+              <a:t>I know who God says I am What He says I am</a:t>
+            </a:r>
+          </a:p>
+          <a:p>
+            <a:r>
+              <a:rPr lang="en-GB" sz="5400" dirty="0">
+                <a:solidFill>
+                  <a:schemeClr val="bg1"/>
+                </a:solidFill>
+              </a:rPr>
+              <a:t>Where He says </a:t>
+            </a:r>
+            <a:r>
+              <a:rPr lang="en-GB" sz="5400" dirty="0" err="1">
+                <a:solidFill>
+                  <a:schemeClr val="bg1"/>
+                </a:solidFill>
+              </a:rPr>
+              <a:t>I’am</a:t>
+            </a:r>
+            <a:r>
+              <a:rPr lang="en-GB" sz="5400" dirty="0">
+                <a:solidFill>
+                  <a:schemeClr val="bg1"/>
+                </a:solidFill>
+              </a:rPr>
+              <a:t> at </a:t>
+            </a:r>
+          </a:p>
+          <a:p>
+            <a:r>
+              <a:rPr lang="en-GB" sz="5400" dirty="0">
+                <a:solidFill>
+                  <a:schemeClr val="bg1"/>
+                </a:solidFill>
+              </a:rPr>
+              <a:t>I know who I am</a:t>
+            </a:r>
+            <a:br>
+              <a:rPr lang="en-GB" sz="5400" dirty="0">
+                <a:solidFill>
+                  <a:schemeClr val="bg1"/>
+                </a:solidFill>
+              </a:rPr>
+            </a:br>
+            <a:br>
+              <a:rPr lang="en-GB" sz="5400" dirty="0">
+                <a:solidFill>
+                  <a:schemeClr val="bg1"/>
+                </a:solidFill>
+              </a:rPr>
+            </a:br>
+            <a:r>
+              <a:rPr lang="en-GB" sz="5400" dirty="0">
+                <a:solidFill>
+                  <a:schemeClr val="bg1"/>
+                </a:solidFill>
+              </a:rPr>
+              <a:t>(REPEAT)</a:t>
+            </a:r>
+          </a:p>
+        </p:txBody>
+      </p:sp>
+      <p:sp>
+        <p:nvSpPr>
+          <p:cNvPr id="4" name="TextBox 3"/>
+          <p:cNvSpPr txBox="1"/>
+          <p:nvPr/>
+        </p:nvSpPr>
+        <p:spPr>
+          <a:xfrm>
+            <a:off x="8529729" y="0"/>
+            <a:ext cx="628698" cy="461665"/>
+          </a:xfrm>
+          <a:prstGeom prst="rect">
+            <a:avLst/>
+          </a:prstGeom>
+          <a:noFill/>
+        </p:spPr>
+        <p:txBody>
+          <a:bodyPr wrap="none" rtlCol="0">
+            <a:spAutoFit/>
+          </a:bodyPr>
+          <a:lstStyle/>
+          <a:p>
+            <a:r>
+              <a:rPr lang="en-GB" sz="2400" b="1" dirty="0">
+                <a:solidFill>
+                  <a:schemeClr val="bg1"/>
+                </a:solidFill>
+              </a:rPr>
+              <a:t>2/6</a:t>
+            </a:r>
+          </a:p>
+        </p:txBody>
+      </p:sp>
+    </p:spTree>
+    <p:extLst>
+      <p:ext uri="{BB962C8B-B14F-4D97-AF65-F5344CB8AC3E}">
+        <p14:creationId xmlns:p14="http://schemas.microsoft.com/office/powerpoint/2010/main" val="564552926"/>
+      </p:ext>
+    </p:extLst>
+  </p:cSld>
+  <p:clrMapOvr>
+    <a:masterClrMapping/>
+  </p:clrMapOvr>
+</p:sld>
+</file>
+
+<file path=ppt/slides/slide33.xml><?xml version="1.0" encoding="utf-8"?>
+<p:sld xmlns:a="http://schemas.openxmlformats.org/drawingml/2006/main" xmlns:r="http://schemas.openxmlformats.org/officeDocument/2006/relationships" xmlns:p="http://schemas.openxmlformats.org/presentationml/2006/main">
+  <p:cSld>
+    <p:spTree>
+      <p:nvGrpSpPr>
+        <p:cNvPr id="1" name=""/>
+        <p:cNvGrpSpPr/>
+        <p:nvPr/>
+      </p:nvGrpSpPr>
+      <p:grpSpPr>
+        <a:xfrm>
+          <a:off x="0" y="0"/>
+          <a:ext cx="0" cy="0"/>
+          <a:chOff x="0" y="0"/>
+          <a:chExt cx="0" cy="0"/>
+        </a:xfrm>
+      </p:grpSpPr>
+      <p:sp>
+        <p:nvSpPr>
+          <p:cNvPr id="3" name="Subtitle 2"/>
+          <p:cNvSpPr>
+            <a:spLocks noGrp="1"/>
+          </p:cNvSpPr>
+          <p:nvPr>
+            <p:ph type="subTitle" idx="1"/>
+          </p:nvPr>
+        </p:nvSpPr>
+        <p:spPr>
+          <a:xfrm>
+            <a:off x="323528" y="188640"/>
+            <a:ext cx="8640960" cy="6480720"/>
+          </a:xfrm>
+        </p:spPr>
+        <p:txBody>
+          <a:bodyPr>
+            <a:noAutofit/>
+          </a:bodyPr>
+          <a:lstStyle/>
+          <a:p>
+            <a:r>
+              <a:rPr lang="en-GB" sz="5400" dirty="0">
+                <a:solidFill>
+                  <a:schemeClr val="bg1"/>
+                </a:solidFill>
+              </a:rPr>
+              <a:t>You stood before my failure</a:t>
+            </a:r>
+          </a:p>
+          <a:p>
+            <a:r>
+              <a:rPr lang="en-GB" sz="5400" dirty="0">
+                <a:solidFill>
+                  <a:schemeClr val="bg1"/>
+                </a:solidFill>
+              </a:rPr>
+              <a:t>And carried the cross for my shame</a:t>
+            </a:r>
+          </a:p>
+          <a:p>
+            <a:r>
+              <a:rPr lang="en-GB" sz="5400" dirty="0">
+                <a:solidFill>
+                  <a:schemeClr val="bg1"/>
+                </a:solidFill>
+              </a:rPr>
+              <a:t>My sin weighed upon Your shoulders</a:t>
+            </a:r>
+          </a:p>
+          <a:p>
+            <a:r>
+              <a:rPr lang="en-GB" sz="5400" dirty="0">
+                <a:solidFill>
+                  <a:schemeClr val="bg1"/>
+                </a:solidFill>
+              </a:rPr>
+              <a:t>My soul now to stand</a:t>
+            </a:r>
+          </a:p>
+        </p:txBody>
+      </p:sp>
+      <p:sp>
+        <p:nvSpPr>
+          <p:cNvPr id="4" name="TextBox 3"/>
+          <p:cNvSpPr txBox="1"/>
+          <p:nvPr/>
+        </p:nvSpPr>
+        <p:spPr>
+          <a:xfrm>
+            <a:off x="8529729" y="0"/>
+            <a:ext cx="628698" cy="461665"/>
+          </a:xfrm>
+          <a:prstGeom prst="rect">
+            <a:avLst/>
+          </a:prstGeom>
+          <a:noFill/>
+        </p:spPr>
+        <p:txBody>
+          <a:bodyPr wrap="none" rtlCol="0">
+            <a:spAutoFit/>
+          </a:bodyPr>
+          <a:lstStyle/>
+          <a:p>
+            <a:r>
+              <a:rPr lang="en-GB" sz="2400" b="1" dirty="0">
+                <a:solidFill>
+                  <a:schemeClr val="bg1"/>
+                </a:solidFill>
+              </a:rPr>
+              <a:t>3/6</a:t>
+            </a:r>
+          </a:p>
+        </p:txBody>
+      </p:sp>
+    </p:spTree>
+    <p:extLst>
+      <p:ext uri="{BB962C8B-B14F-4D97-AF65-F5344CB8AC3E}">
+        <p14:creationId xmlns:p14="http://schemas.microsoft.com/office/powerpoint/2010/main" val="1120616589"/>
+      </p:ext>
+    </p:extLst>
+  </p:cSld>
+  <p:clrMapOvr>
+    <a:masterClrMapping/>
+  </p:clrMapOvr>
+</p:sld>
+</file>
+
+<file path=ppt/slides/slide34.xml><?xml version="1.0" encoding="utf-8"?>
+<p:sld xmlns:a="http://schemas.openxmlformats.org/drawingml/2006/main" xmlns:r="http://schemas.openxmlformats.org/officeDocument/2006/relationships" xmlns:p="http://schemas.openxmlformats.org/presentationml/2006/main">
+  <p:cSld>
+    <p:spTree>
+      <p:nvGrpSpPr>
+        <p:cNvPr id="1" name=""/>
+        <p:cNvGrpSpPr/>
+        <p:nvPr/>
+      </p:nvGrpSpPr>
+      <p:grpSpPr>
+        <a:xfrm>
+          <a:off x="0" y="0"/>
+          <a:ext cx="0" cy="0"/>
+          <a:chOff x="0" y="0"/>
+          <a:chExt cx="0" cy="0"/>
+        </a:xfrm>
+      </p:grpSpPr>
+      <p:sp>
+        <p:nvSpPr>
+          <p:cNvPr id="3" name="Subtitle 2"/>
+          <p:cNvSpPr>
+            <a:spLocks noGrp="1"/>
+          </p:cNvSpPr>
+          <p:nvPr>
+            <p:ph type="subTitle" idx="1"/>
+          </p:nvPr>
+        </p:nvSpPr>
+        <p:spPr>
+          <a:xfrm>
+            <a:off x="323528" y="188640"/>
+            <a:ext cx="8640960" cy="6480720"/>
+          </a:xfrm>
+        </p:spPr>
+        <p:txBody>
+          <a:bodyPr>
+            <a:noAutofit/>
+          </a:bodyPr>
+          <a:lstStyle/>
+          <a:p>
+            <a:r>
+              <a:rPr lang="en-GB" sz="5400" dirty="0">
+                <a:solidFill>
+                  <a:schemeClr val="bg1"/>
+                </a:solidFill>
+              </a:rPr>
+              <a:t>So what can I say</a:t>
+            </a:r>
+          </a:p>
+          <a:p>
+            <a:r>
+              <a:rPr lang="en-GB" sz="5400" dirty="0">
+                <a:solidFill>
+                  <a:schemeClr val="bg1"/>
+                </a:solidFill>
+              </a:rPr>
+              <a:t>And what can I do</a:t>
+            </a:r>
+          </a:p>
+          <a:p>
+            <a:r>
+              <a:rPr lang="en-GB" sz="5400" dirty="0">
+                <a:solidFill>
+                  <a:schemeClr val="bg1"/>
+                </a:solidFill>
+              </a:rPr>
+              <a:t>But offer this heart O God</a:t>
+            </a:r>
+          </a:p>
+          <a:p>
+            <a:r>
+              <a:rPr lang="en-GB" sz="5400" dirty="0">
+                <a:solidFill>
+                  <a:schemeClr val="bg1"/>
+                </a:solidFill>
+              </a:rPr>
+              <a:t>Completely to You</a:t>
+            </a:r>
+          </a:p>
+        </p:txBody>
+      </p:sp>
+      <p:sp>
+        <p:nvSpPr>
+          <p:cNvPr id="4" name="TextBox 3"/>
+          <p:cNvSpPr txBox="1"/>
+          <p:nvPr/>
+        </p:nvSpPr>
+        <p:spPr>
+          <a:xfrm>
+            <a:off x="8529729" y="0"/>
+            <a:ext cx="628698" cy="461665"/>
+          </a:xfrm>
+          <a:prstGeom prst="rect">
+            <a:avLst/>
+          </a:prstGeom>
+          <a:noFill/>
+        </p:spPr>
+        <p:txBody>
+          <a:bodyPr wrap="none" rtlCol="0">
+            <a:spAutoFit/>
+          </a:bodyPr>
+          <a:lstStyle/>
+          <a:p>
+            <a:r>
+              <a:rPr lang="en-GB" sz="2400" b="1" dirty="0">
+                <a:solidFill>
+                  <a:schemeClr val="bg1"/>
+                </a:solidFill>
+              </a:rPr>
+              <a:t>4/6</a:t>
+            </a:r>
+          </a:p>
+        </p:txBody>
+      </p:sp>
+    </p:spTree>
+    <p:extLst>
+      <p:ext uri="{BB962C8B-B14F-4D97-AF65-F5344CB8AC3E}">
+        <p14:creationId xmlns:p14="http://schemas.microsoft.com/office/powerpoint/2010/main" val="4066357541"/>
+      </p:ext>
+    </p:extLst>
+  </p:cSld>
+  <p:clrMapOvr>
+    <a:masterClrMapping/>
+  </p:clrMapOvr>
+</p:sld>
+</file>
+
+<file path=ppt/slides/slide35.xml><?xml version="1.0" encoding="utf-8"?>
+<p:sld xmlns:a="http://schemas.openxmlformats.org/drawingml/2006/main" xmlns:r="http://schemas.openxmlformats.org/officeDocument/2006/relationships" xmlns:p="http://schemas.openxmlformats.org/presentationml/2006/main">
+  <p:cSld>
+    <p:spTree>
+      <p:nvGrpSpPr>
+        <p:cNvPr id="1" name=""/>
+        <p:cNvGrpSpPr/>
+        <p:nvPr/>
+      </p:nvGrpSpPr>
+      <p:grpSpPr>
+        <a:xfrm>
+          <a:off x="0" y="0"/>
+          <a:ext cx="0" cy="0"/>
+          <a:chOff x="0" y="0"/>
+          <a:chExt cx="0" cy="0"/>
+        </a:xfrm>
+      </p:grpSpPr>
+      <p:sp>
+        <p:nvSpPr>
+          <p:cNvPr id="3" name="Subtitle 2"/>
+          <p:cNvSpPr>
+            <a:spLocks noGrp="1"/>
+          </p:cNvSpPr>
+          <p:nvPr>
+            <p:ph type="subTitle" idx="1"/>
+          </p:nvPr>
+        </p:nvSpPr>
+        <p:spPr>
+          <a:xfrm>
+            <a:off x="323528" y="188640"/>
+            <a:ext cx="8640960" cy="6480720"/>
+          </a:xfrm>
+        </p:spPr>
+        <p:txBody>
+          <a:bodyPr>
+            <a:noAutofit/>
+          </a:bodyPr>
+          <a:lstStyle/>
+          <a:p>
+            <a:r>
+              <a:rPr lang="en-GB" sz="5400" dirty="0">
+                <a:solidFill>
+                  <a:schemeClr val="bg1"/>
+                </a:solidFill>
+              </a:rPr>
+              <a:t>So I'll walk upon salvation</a:t>
+            </a:r>
+          </a:p>
+          <a:p>
+            <a:r>
+              <a:rPr lang="en-GB" sz="5400" dirty="0">
+                <a:solidFill>
+                  <a:schemeClr val="bg1"/>
+                </a:solidFill>
+              </a:rPr>
+              <a:t>Your Spirit alive in me</a:t>
+            </a:r>
+          </a:p>
+          <a:p>
+            <a:r>
+              <a:rPr lang="en-GB" sz="5400" dirty="0">
+                <a:solidFill>
+                  <a:schemeClr val="bg1"/>
+                </a:solidFill>
+              </a:rPr>
+              <a:t>My life to declare Your promise</a:t>
+            </a:r>
+          </a:p>
+          <a:p>
+            <a:r>
+              <a:rPr lang="en-GB" sz="5400" dirty="0">
+                <a:solidFill>
+                  <a:schemeClr val="bg1"/>
+                </a:solidFill>
+              </a:rPr>
+              <a:t>My soul now to stand</a:t>
+            </a:r>
+          </a:p>
+        </p:txBody>
+      </p:sp>
+      <p:sp>
+        <p:nvSpPr>
+          <p:cNvPr id="4" name="TextBox 3"/>
+          <p:cNvSpPr txBox="1"/>
+          <p:nvPr/>
+        </p:nvSpPr>
+        <p:spPr>
+          <a:xfrm>
+            <a:off x="8529729" y="0"/>
+            <a:ext cx="628698" cy="461665"/>
+          </a:xfrm>
+          <a:prstGeom prst="rect">
+            <a:avLst/>
+          </a:prstGeom>
+          <a:noFill/>
+        </p:spPr>
+        <p:txBody>
+          <a:bodyPr wrap="none" rtlCol="0">
+            <a:spAutoFit/>
+          </a:bodyPr>
+          <a:lstStyle/>
+          <a:p>
+            <a:r>
+              <a:rPr lang="en-GB" sz="2400" b="1" dirty="0">
+                <a:solidFill>
+                  <a:schemeClr val="bg1"/>
+                </a:solidFill>
+              </a:rPr>
+              <a:t>5/6</a:t>
+            </a:r>
+          </a:p>
+        </p:txBody>
+      </p:sp>
+    </p:spTree>
+    <p:extLst>
+      <p:ext uri="{BB962C8B-B14F-4D97-AF65-F5344CB8AC3E}">
+        <p14:creationId xmlns:p14="http://schemas.microsoft.com/office/powerpoint/2010/main" val="2208576038"/>
+      </p:ext>
+    </p:extLst>
+  </p:cSld>
+  <p:clrMapOvr>
+    <a:masterClrMapping/>
+  </p:clrMapOvr>
+</p:sld>
+</file>
+
+<file path=ppt/slides/slide36.xml><?xml version="1.0" encoding="utf-8"?>
+<p:sld xmlns:a="http://schemas.openxmlformats.org/drawingml/2006/main" xmlns:r="http://schemas.openxmlformats.org/officeDocument/2006/relationships" xmlns:p="http://schemas.openxmlformats.org/presentationml/2006/main">
+  <p:cSld>
+    <p:spTree>
+      <p:nvGrpSpPr>
+        <p:cNvPr id="1" name=""/>
+        <p:cNvGrpSpPr/>
+        <p:nvPr/>
+      </p:nvGrpSpPr>
+      <p:grpSpPr>
+        <a:xfrm>
+          <a:off x="0" y="0"/>
+          <a:ext cx="0" cy="0"/>
+          <a:chOff x="0" y="0"/>
+          <a:chExt cx="0" cy="0"/>
+        </a:xfrm>
+      </p:grpSpPr>
+      <p:sp>
+        <p:nvSpPr>
+          <p:cNvPr id="3" name="Subtitle 2"/>
+          <p:cNvSpPr>
+            <a:spLocks noGrp="1"/>
+          </p:cNvSpPr>
+          <p:nvPr>
+            <p:ph type="subTitle" idx="1"/>
+          </p:nvPr>
+        </p:nvSpPr>
+        <p:spPr>
+          <a:xfrm>
+            <a:off x="323528" y="188640"/>
+            <a:ext cx="8640960" cy="6480720"/>
+          </a:xfrm>
+        </p:spPr>
+        <p:txBody>
+          <a:bodyPr>
+            <a:noAutofit/>
+          </a:bodyPr>
+          <a:lstStyle/>
+          <a:p>
+            <a:r>
+              <a:rPr lang="en-GB" sz="4800" dirty="0">
+                <a:solidFill>
+                  <a:schemeClr val="bg1"/>
+                </a:solidFill>
+              </a:rPr>
+              <a:t>So I'll stand</a:t>
+            </a:r>
+          </a:p>
+          <a:p>
+            <a:r>
+              <a:rPr lang="en-GB" sz="4800" dirty="0">
+                <a:solidFill>
+                  <a:schemeClr val="bg1"/>
+                </a:solidFill>
+              </a:rPr>
+              <a:t>With arms high and heart abandoned</a:t>
+            </a:r>
+          </a:p>
+          <a:p>
+            <a:r>
+              <a:rPr lang="en-GB" sz="4800" dirty="0">
+                <a:solidFill>
+                  <a:schemeClr val="bg1"/>
+                </a:solidFill>
+              </a:rPr>
+              <a:t>In awe of the One who gave it all</a:t>
+            </a:r>
+          </a:p>
+          <a:p>
+            <a:r>
+              <a:rPr lang="en-GB" sz="4800" dirty="0">
+                <a:solidFill>
+                  <a:schemeClr val="bg1"/>
+                </a:solidFill>
+              </a:rPr>
+              <a:t>I'll stand</a:t>
+            </a:r>
+          </a:p>
+          <a:p>
+            <a:r>
+              <a:rPr lang="en-GB" sz="4800" dirty="0">
+                <a:solidFill>
+                  <a:schemeClr val="bg1"/>
+                </a:solidFill>
+              </a:rPr>
+              <a:t>My soul Lord to You surrendered</a:t>
+            </a:r>
+          </a:p>
+          <a:p>
+            <a:r>
+              <a:rPr lang="en-GB" sz="4800" dirty="0">
+                <a:solidFill>
+                  <a:schemeClr val="bg1"/>
+                </a:solidFill>
+              </a:rPr>
+              <a:t>All I am is Yours</a:t>
+            </a:r>
+          </a:p>
+        </p:txBody>
+      </p:sp>
+      <p:sp>
+        <p:nvSpPr>
+          <p:cNvPr id="4" name="TextBox 3"/>
+          <p:cNvSpPr txBox="1"/>
+          <p:nvPr/>
+        </p:nvSpPr>
+        <p:spPr>
+          <a:xfrm>
+            <a:off x="8529729" y="0"/>
+            <a:ext cx="628698" cy="461665"/>
+          </a:xfrm>
+          <a:prstGeom prst="rect">
+            <a:avLst/>
+          </a:prstGeom>
+          <a:noFill/>
+        </p:spPr>
+        <p:txBody>
+          <a:bodyPr wrap="none" rtlCol="0">
+            <a:spAutoFit/>
+          </a:bodyPr>
+          <a:lstStyle/>
+          <a:p>
+            <a:r>
+              <a:rPr lang="en-GB" sz="2400" b="1" dirty="0">
+                <a:solidFill>
+                  <a:schemeClr val="bg1"/>
+                </a:solidFill>
+              </a:rPr>
+              <a:t>6/6</a:t>
+            </a:r>
+          </a:p>
+        </p:txBody>
+      </p:sp>
+    </p:spTree>
+    <p:extLst>
+      <p:ext uri="{BB962C8B-B14F-4D97-AF65-F5344CB8AC3E}">
+        <p14:creationId xmlns:p14="http://schemas.microsoft.com/office/powerpoint/2010/main" val="975535872"/>
       </p:ext>
     </p:extLst>
   </p:cSld>
@@ -5892,42 +7376,72 @@
           <a:lstStyle/>
           <a:p>
             <a:r>
-              <a:rPr lang="en-GB" sz="5400" dirty="0">
-                <a:solidFill>
-                  <a:schemeClr val="bg1"/>
-                </a:solidFill>
-              </a:rPr>
-              <a:t>If you lift Him high</a:t>
-            </a:r>
-          </a:p>
-          <a:p>
-            <a:r>
-              <a:rPr lang="en-GB" sz="5400" dirty="0">
-                <a:solidFill>
-                  <a:schemeClr val="bg1"/>
-                </a:solidFill>
-              </a:rPr>
-              <a:t>He will draw us</a:t>
-            </a:r>
-          </a:p>
-          <a:p>
-            <a:r>
-              <a:rPr lang="en-GB" sz="5400" dirty="0">
-                <a:solidFill>
-                  <a:schemeClr val="bg1"/>
-                </a:solidFill>
-              </a:rPr>
-              <a:t>Nearer ever closer to Him</a:t>
-            </a:r>
-          </a:p>
-          <a:p>
-            <a:r>
-              <a:rPr lang="en-GB" sz="5400" dirty="0">
-                <a:solidFill>
-                  <a:schemeClr val="bg1"/>
-                </a:solidFill>
-              </a:rPr>
-              <a:t>Day by day</a:t>
+              <a:rPr lang="en-GB" sz="4800" dirty="0">
+                <a:solidFill>
+                  <a:schemeClr val="bg1"/>
+                </a:solidFill>
+              </a:rPr>
+              <a:t>You came from heaven to earth</a:t>
+            </a:r>
+          </a:p>
+          <a:p>
+            <a:r>
+              <a:rPr lang="en-GB" sz="4800" dirty="0">
+                <a:solidFill>
+                  <a:schemeClr val="bg1"/>
+                </a:solidFill>
+              </a:rPr>
+              <a:t>To show the way</a:t>
+            </a:r>
+          </a:p>
+          <a:p>
+            <a:r>
+              <a:rPr lang="en-GB" sz="4800" dirty="0">
+                <a:solidFill>
+                  <a:schemeClr val="bg1"/>
+                </a:solidFill>
+              </a:rPr>
+              <a:t>From the earth to the cross</a:t>
+            </a:r>
+          </a:p>
+          <a:p>
+            <a:r>
+              <a:rPr lang="en-GB" sz="4800" dirty="0">
+                <a:solidFill>
+                  <a:schemeClr val="bg1"/>
+                </a:solidFill>
+              </a:rPr>
+              <a:t>My debt to pay</a:t>
+            </a:r>
+          </a:p>
+          <a:p>
+            <a:r>
+              <a:rPr lang="en-GB" sz="4800" dirty="0">
+                <a:solidFill>
+                  <a:schemeClr val="bg1"/>
+                </a:solidFill>
+              </a:rPr>
+              <a:t>From the cross to the grave</a:t>
+            </a:r>
+          </a:p>
+          <a:p>
+            <a:r>
+              <a:rPr lang="en-GB" sz="4800" dirty="0">
+                <a:solidFill>
+                  <a:schemeClr val="bg1"/>
+                </a:solidFill>
+              </a:rPr>
+              <a:t>From the grave to the sky</a:t>
+            </a:r>
+          </a:p>
+          <a:p>
+            <a:r>
+              <a:rPr lang="en-GB" sz="4800" dirty="0">
+                <a:solidFill>
+                  <a:schemeClr val="bg1"/>
+                </a:solidFill>
+              </a:rPr>
+              <a:t>Lord I lift Your name on high</a:t>
             </a:r>
           </a:p>
         </p:txBody>
@@ -5960,7 +7474,7 @@
                   <a:schemeClr val="bg1"/>
                 </a:solidFill>
               </a:rPr>
-              <a:t>2/3</a:t>
+              <a:t>2/2</a:t>
             </a:r>
           </a:p>
         </p:txBody>
@@ -5968,7 +7482,7 @@
     </p:spTree>
     <p:extLst>
       <p:ext uri="{BB962C8B-B14F-4D97-AF65-F5344CB8AC3E}">
-        <p14:creationId xmlns:p14="http://schemas.microsoft.com/office/powerpoint/2010/main" val="792705877"/>
+        <p14:creationId xmlns:p14="http://schemas.microsoft.com/office/powerpoint/2010/main" val="2395209953"/>
       </p:ext>
     </p:extLst>
   </p:cSld>
@@ -6017,76 +7531,126 @@
           </a:bodyPr>
           <a:lstStyle/>
           <a:p>
-            <a:r>
-              <a:rPr lang="en-GB" sz="5400" dirty="0">
-                <a:solidFill>
-                  <a:schemeClr val="bg1"/>
-                </a:solidFill>
-              </a:rPr>
-              <a:t>If you lift Him high</a:t>
-            </a:r>
-          </a:p>
-          <a:p>
-            <a:r>
-              <a:rPr lang="en-GB" sz="5400" dirty="0">
-                <a:solidFill>
-                  <a:schemeClr val="bg1"/>
-                </a:solidFill>
-              </a:rPr>
-              <a:t>He will draw us</a:t>
-            </a:r>
-          </a:p>
-          <a:p>
-            <a:r>
-              <a:rPr lang="en-GB" sz="5400" dirty="0">
-                <a:solidFill>
-                  <a:schemeClr val="bg1"/>
-                </a:solidFill>
-              </a:rPr>
-              <a:t>Nearer ever closer to Him</a:t>
-            </a:r>
-          </a:p>
-          <a:p>
-            <a:r>
-              <a:rPr lang="en-GB" sz="5400" dirty="0">
-                <a:solidFill>
-                  <a:schemeClr val="bg1"/>
-                </a:solidFill>
-              </a:rPr>
-              <a:t>Every day</a:t>
-            </a:r>
-          </a:p>
-        </p:txBody>
-      </p:sp>
-      <p:sp>
-        <p:nvSpPr>
-          <p:cNvPr id="4" name="TextBox 3"/>
-          <p:cNvSpPr txBox="1"/>
-          <p:nvPr/>
-        </p:nvSpPr>
-        <p:spPr>
-          <a:xfrm>
-            <a:off x="8529729" y="0"/>
-            <a:ext cx="628698" cy="461665"/>
-          </a:xfrm>
-          <a:prstGeom prst="rect">
-            <a:avLst/>
-          </a:prstGeom>
-          <a:noFill/>
-        </p:spPr>
-        <p:txBody>
-          <a:bodyPr wrap="none" rtlCol="0">
-            <a:spAutoFit/>
-          </a:bodyPr>
-          <a:lstStyle/>
-          <a:p>
-            <a:r>
-              <a:rPr lang="en-GB" sz="2400" b="1" dirty="0">
-                <a:solidFill>
-                  <a:schemeClr val="bg1"/>
-                </a:solidFill>
-              </a:rPr>
-              <a:t>3/3</a:t>
+            <a:endParaRPr lang="en-GB" sz="6600" dirty="0">
+              <a:solidFill>
+                <a:srgbClr val="00A3E0"/>
+              </a:solidFill>
+              <a:latin typeface="akagi_probook"/>
+            </a:endParaRPr>
+          </a:p>
+          <a:p>
+            <a:r>
+              <a:rPr lang="en-GB" sz="6600" dirty="0">
+                <a:solidFill>
+                  <a:srgbClr val="00A3E0"/>
+                </a:solidFill>
+                <a:latin typeface="akagi_probook"/>
+              </a:rPr>
+              <a:t>Sing Unto the Lord</a:t>
+            </a:r>
+          </a:p>
+          <a:p>
+            <a:br>
+              <a:rPr lang="en-GB" sz="1200" dirty="0">
+                <a:solidFill>
+                  <a:schemeClr val="bg1"/>
+                </a:solidFill>
+              </a:rPr>
+            </a:br>
+            <a:r>
+              <a:rPr lang="en-GB" sz="1200" dirty="0">
+                <a:solidFill>
+                  <a:schemeClr val="bg1"/>
+                </a:solidFill>
+              </a:rPr>
+              <a:t>CCLI Song # 4109954</a:t>
+            </a:r>
+          </a:p>
+          <a:p>
+            <a:endParaRPr lang="en-GB" sz="1200" dirty="0">
+              <a:solidFill>
+                <a:schemeClr val="bg1"/>
+              </a:solidFill>
+            </a:endParaRPr>
+          </a:p>
+          <a:p>
+            <a:r>
+              <a:rPr lang="en-GB" sz="1200" dirty="0">
+                <a:solidFill>
+                  <a:schemeClr val="bg1"/>
+                </a:solidFill>
+              </a:rPr>
+              <a:t>Howard Francis | Mark Beswick | Nicky Brown</a:t>
+            </a:r>
+          </a:p>
+          <a:p>
+            <a:endParaRPr lang="en-GB" sz="1200" dirty="0">
+              <a:solidFill>
+                <a:schemeClr val="bg1"/>
+              </a:solidFill>
+            </a:endParaRPr>
+          </a:p>
+          <a:p>
+            <a:r>
+              <a:rPr lang="en-GB" sz="1200" dirty="0">
+                <a:solidFill>
+                  <a:schemeClr val="bg1"/>
+                </a:solidFill>
+              </a:rPr>
+              <a:t>© 2003 Thankyou Music (Admin. by Integrity Music Ltd)</a:t>
+            </a:r>
+          </a:p>
+          <a:p>
+            <a:r>
+              <a:rPr lang="en-GB" sz="1200" dirty="0">
+                <a:solidFill>
+                  <a:schemeClr val="bg1"/>
+                </a:solidFill>
+              </a:rPr>
+              <a:t>Remaining portion is unaffiliated</a:t>
+            </a:r>
+          </a:p>
+          <a:p>
+            <a:r>
+              <a:rPr lang="en-GB" sz="1200" dirty="0">
+                <a:solidFill>
+                  <a:schemeClr val="bg1"/>
+                </a:solidFill>
+              </a:rPr>
+              <a:t>For use solely with the </a:t>
+            </a:r>
+            <a:r>
+              <a:rPr lang="en-GB" sz="1200" dirty="0" err="1">
+                <a:solidFill>
+                  <a:schemeClr val="bg1"/>
+                </a:solidFill>
+              </a:rPr>
+              <a:t>SongSelect</a:t>
+            </a:r>
+            <a:r>
+              <a:rPr lang="en-GB" sz="1200" dirty="0">
+                <a:solidFill>
+                  <a:schemeClr val="bg1"/>
+                </a:solidFill>
+              </a:rPr>
+              <a:t>® Terms of Use. All rights reserved. www.ccli.com</a:t>
+            </a:r>
+          </a:p>
+          <a:p>
+            <a:endParaRPr lang="en-GB" sz="1200" dirty="0">
+              <a:solidFill>
+                <a:schemeClr val="bg1"/>
+              </a:solidFill>
+            </a:endParaRPr>
+          </a:p>
+          <a:p>
+            <a:r>
+              <a:rPr lang="en-GB" sz="1200" dirty="0">
+                <a:solidFill>
+                  <a:schemeClr val="bg1"/>
+                </a:solidFill>
+              </a:rPr>
+              <a:t>CCLI Licence No. 33265</a:t>
             </a:r>
           </a:p>
         </p:txBody>
@@ -6094,7 +7658,7 @@
     </p:spTree>
     <p:extLst>
       <p:ext uri="{BB962C8B-B14F-4D97-AF65-F5344CB8AC3E}">
-        <p14:creationId xmlns:p14="http://schemas.microsoft.com/office/powerpoint/2010/main" val="1030849742"/>
+        <p14:creationId xmlns:p14="http://schemas.microsoft.com/office/powerpoint/2010/main" val="3899306317"/>
       </p:ext>
     </p:extLst>
   </p:cSld>
@@ -6149,7 +7713,7 @@
                   <a:schemeClr val="bg1"/>
                 </a:solidFill>
               </a:rPr>
-              <a:t>And we will say</a:t>
+              <a:t>Sing unto the Lord a new song</a:t>
             </a:r>
           </a:p>
           <a:p>
@@ -6159,7 +7723,7 @@
                   <a:schemeClr val="bg1"/>
                 </a:solidFill>
               </a:rPr>
-              <a:t>(Our God is Good)</a:t>
+              <a:t>Bless Him praise Him</a:t>
             </a:r>
           </a:p>
           <a:p>
@@ -6169,7 +7733,7 @@
                   <a:schemeClr val="bg1"/>
                 </a:solidFill>
               </a:rPr>
-              <a:t>His mercies shall</a:t>
+              <a:t>Lift Him higher</a:t>
             </a:r>
           </a:p>
           <a:p>
@@ -6179,7 +7743,27 @@
                   <a:schemeClr val="bg1"/>
                 </a:solidFill>
               </a:rPr>
-              <a:t>(Endure for life)</a:t>
+              <a:t>All you chosen generation</a:t>
+            </a:r>
+          </a:p>
+          <a:p>
+            <a:r>
+              <a:rPr lang="en-GB" sz="5400" dirty="0">
+                <a:solidFill>
+                  <a:schemeClr val="bg1"/>
+                </a:solidFill>
+              </a:rPr>
+              <a:t>Dance and celebrate</a:t>
+            </a:r>
+          </a:p>
+          <a:p>
+            <a:r>
+              <a:rPr lang="en-GB" sz="5400" dirty="0">
+                <a:solidFill>
+                  <a:schemeClr val="bg1"/>
+                </a:solidFill>
+              </a:rPr>
+              <a:t>(REPEAT)</a:t>
             </a:r>
           </a:p>
         </p:txBody>
@@ -6212,7 +7796,7 @@
                   <a:schemeClr val="bg1"/>
                 </a:solidFill>
               </a:rPr>
-              <a:t>1/1</a:t>
+              <a:t>1/3</a:t>
             </a:r>
           </a:p>
         </p:txBody>
@@ -6220,7 +7804,7 @@
     </p:spTree>
     <p:extLst>
       <p:ext uri="{BB962C8B-B14F-4D97-AF65-F5344CB8AC3E}">
-        <p14:creationId xmlns:p14="http://schemas.microsoft.com/office/powerpoint/2010/main" val="3714056234"/>
+        <p14:creationId xmlns:p14="http://schemas.microsoft.com/office/powerpoint/2010/main" val="1146950907"/>
       </p:ext>
     </p:extLst>
   </p:cSld>
@@ -6270,90 +7854,75 @@
           <a:lstStyle/>
           <a:p>
             <a:r>
-              <a:rPr lang="en-GB" sz="9600" dirty="0">
-                <a:solidFill>
-                  <a:schemeClr val="bg1"/>
-                </a:solidFill>
-              </a:rPr>
-              <a:t>Jesus at the </a:t>
-            </a:r>
-            <a:r>
-              <a:rPr lang="en-GB" sz="9600" dirty="0" err="1">
-                <a:solidFill>
-                  <a:schemeClr val="bg1"/>
-                </a:solidFill>
-              </a:rPr>
-              <a:t>Center</a:t>
-            </a:r>
-            <a:endParaRPr lang="en-GB" sz="9600" dirty="0">
-              <a:solidFill>
-                <a:schemeClr val="bg1"/>
-              </a:solidFill>
-            </a:endParaRPr>
-          </a:p>
-          <a:p>
-            <a:r>
-              <a:rPr lang="en-GB" sz="1200" dirty="0"/>
-              <a:t>CCLI Song # 6115180</a:t>
-            </a:r>
-          </a:p>
-          <a:p>
-            <a:endParaRPr lang="en-GB" sz="1200" dirty="0"/>
-          </a:p>
-          <a:p>
-            <a:r>
-              <a:rPr lang="en-GB" sz="1200" dirty="0"/>
-              <a:t>Adam Ranney | Israel Houghton | Micah Massey</a:t>
-            </a:r>
-          </a:p>
-          <a:p>
-            <a:endParaRPr lang="en-GB" sz="1200" dirty="0"/>
-          </a:p>
-          <a:p>
-            <a:r>
-              <a:rPr lang="en-GB" sz="1200" dirty="0"/>
-              <a:t>© 2011 Integrity Worship Music (Admin. by Integrity Music Ltd)</a:t>
-            </a:r>
-          </a:p>
-          <a:p>
-            <a:r>
-              <a:rPr lang="en-GB" sz="1200" dirty="0"/>
-              <a:t>Integrity's Praise! Music (Admin. by Integrity Music Ltd)</a:t>
-            </a:r>
-          </a:p>
-          <a:p>
-            <a:r>
-              <a:rPr lang="en-GB" sz="1200" dirty="0"/>
-              <a:t>Sound Of The New Breed (Admin. by Integrity Music Ltd)</a:t>
-            </a:r>
-          </a:p>
-          <a:p>
-            <a:r>
-              <a:rPr lang="en-GB" sz="1200" dirty="0"/>
-              <a:t>Heart Anthem Music (Admin. by Song Solutions www.songsolutions.org)</a:t>
-            </a:r>
-          </a:p>
-          <a:p>
-            <a:r>
-              <a:rPr lang="en-GB" sz="1200" dirty="0"/>
-              <a:t>For use solely with the </a:t>
-            </a:r>
-            <a:r>
-              <a:rPr lang="en-GB" sz="1200" dirty="0" err="1"/>
-              <a:t>SongSelect</a:t>
-            </a:r>
-            <a:r>
-              <a:rPr lang="en-GB" sz="1200" dirty="0"/>
-              <a:t>® Terms of Use. All rights reserved. www.ccli.com</a:t>
-            </a:r>
-          </a:p>
-          <a:p>
-            <a:endParaRPr lang="en-GB" sz="1200" dirty="0"/>
-          </a:p>
-          <a:p>
-            <a:r>
-              <a:rPr lang="en-GB" sz="1200" dirty="0"/>
-              <a:t>CCLI Licence No. 33265</a:t>
+              <a:rPr lang="en-GB" sz="5400" dirty="0">
+                <a:solidFill>
+                  <a:schemeClr val="bg1"/>
+                </a:solidFill>
+              </a:rPr>
+              <a:t>If you lift Him high</a:t>
+            </a:r>
+          </a:p>
+          <a:p>
+            <a:r>
+              <a:rPr lang="en-GB" sz="5400" dirty="0">
+                <a:solidFill>
+                  <a:schemeClr val="bg1"/>
+                </a:solidFill>
+              </a:rPr>
+              <a:t>He will draw us</a:t>
+            </a:r>
+          </a:p>
+          <a:p>
+            <a:r>
+              <a:rPr lang="en-GB" sz="5400" dirty="0">
+                <a:solidFill>
+                  <a:schemeClr val="bg1"/>
+                </a:solidFill>
+              </a:rPr>
+              <a:t>Nearer ever closer to Him</a:t>
+            </a:r>
+          </a:p>
+          <a:p>
+            <a:r>
+              <a:rPr lang="en-GB" sz="5400" dirty="0">
+                <a:solidFill>
+                  <a:schemeClr val="bg1"/>
+                </a:solidFill>
+              </a:rPr>
+              <a:t>Day by day</a:t>
+            </a:r>
+          </a:p>
+        </p:txBody>
+      </p:sp>
+      <p:sp>
+        <p:nvSpPr>
+          <p:cNvPr id="4" name="TextBox 3"/>
+          <p:cNvSpPr txBox="1"/>
+          <p:nvPr/>
+        </p:nvSpPr>
+        <p:spPr>
+          <a:xfrm>
+            <a:off x="8529729" y="0"/>
+            <a:ext cx="628698" cy="461665"/>
+          </a:xfrm>
+          <a:prstGeom prst="rect">
+            <a:avLst/>
+          </a:prstGeom>
+          <a:noFill/>
+        </p:spPr>
+        <p:txBody>
+          <a:bodyPr wrap="none" rtlCol="0">
+            <a:spAutoFit/>
+          </a:bodyPr>
+          <a:lstStyle/>
+          <a:p>
+            <a:r>
+              <a:rPr lang="en-GB" sz="2400" b="1" dirty="0">
+                <a:solidFill>
+                  <a:schemeClr val="bg1"/>
+                </a:solidFill>
+              </a:rPr>
+              <a:t>2/3</a:t>
             </a:r>
           </a:p>
         </p:txBody>
@@ -6361,7 +7930,7 @@
     </p:spTree>
     <p:extLst>
       <p:ext uri="{BB962C8B-B14F-4D97-AF65-F5344CB8AC3E}">
-        <p14:creationId xmlns:p14="http://schemas.microsoft.com/office/powerpoint/2010/main" val="563154322"/>
+        <p14:creationId xmlns:p14="http://schemas.microsoft.com/office/powerpoint/2010/main" val="792705877"/>
       </p:ext>
     </p:extLst>
   </p:cSld>
@@ -6400,8 +7969,8 @@
         </p:nvSpPr>
         <p:spPr>
           <a:xfrm>
-            <a:off x="323528" y="0"/>
-            <a:ext cx="8640960" cy="6669360"/>
+            <a:off x="323528" y="188640"/>
+            <a:ext cx="8640960" cy="6480720"/>
           </a:xfrm>
         </p:spPr>
         <p:txBody>
@@ -6416,23 +7985,17 @@
                   <a:schemeClr val="bg1"/>
                 </a:solidFill>
               </a:rPr>
-              <a:t>Jesus at the </a:t>
-            </a:r>
-            <a:r>
-              <a:rPr lang="en-GB" sz="5400" dirty="0" err="1">
-                <a:solidFill>
-                  <a:schemeClr val="bg1"/>
-                </a:solidFill>
-              </a:rPr>
-              <a:t>center</a:t>
-            </a:r>
+              <a:t>If you lift Him high</a:t>
+            </a:r>
+          </a:p>
+          <a:p>
             <a:r>
               <a:rPr lang="en-GB" sz="5400" dirty="0">
                 <a:solidFill>
                   <a:schemeClr val="bg1"/>
                 </a:solidFill>
               </a:rPr>
-              <a:t> of it all</a:t>
+              <a:t>He will draw us</a:t>
             </a:r>
           </a:p>
           <a:p>
@@ -6442,57 +8005,18 @@
                   <a:schemeClr val="bg1"/>
                 </a:solidFill>
               </a:rPr>
-              <a:t>Jesus at the </a:t>
-            </a:r>
-            <a:r>
-              <a:rPr lang="en-GB" sz="5400" dirty="0" err="1">
-                <a:solidFill>
-                  <a:schemeClr val="bg1"/>
-                </a:solidFill>
-              </a:rPr>
-              <a:t>center</a:t>
-            </a:r>
+              <a:t>Nearer ever closer to Him</a:t>
+            </a:r>
+          </a:p>
+          <a:p>
             <a:r>
               <a:rPr lang="en-GB" sz="5400" dirty="0">
                 <a:solidFill>
                   <a:schemeClr val="bg1"/>
                 </a:solidFill>
               </a:rPr>
-              <a:t> of it all</a:t>
-            </a:r>
-          </a:p>
-          <a:p>
-            <a:r>
-              <a:rPr lang="en-GB" sz="5400" dirty="0">
-                <a:solidFill>
-                  <a:schemeClr val="bg1"/>
-                </a:solidFill>
-              </a:rPr>
-              <a:t>From beginning to the end</a:t>
-            </a:r>
-          </a:p>
-          <a:p>
-            <a:r>
-              <a:rPr lang="en-GB" sz="5400" dirty="0">
-                <a:solidFill>
-                  <a:schemeClr val="bg1"/>
-                </a:solidFill>
-              </a:rPr>
-              <a:t>It will always be it's always been You Jesus </a:t>
-            </a:r>
-            <a:r>
-              <a:rPr lang="en-GB" sz="5400" dirty="0" err="1">
-                <a:solidFill>
-                  <a:schemeClr val="bg1"/>
-                </a:solidFill>
-              </a:rPr>
-              <a:t>Jesus</a:t>
-            </a:r>
-            <a:endParaRPr lang="en-GB" sz="5400" dirty="0">
-              <a:solidFill>
-                <a:schemeClr val="bg1"/>
-              </a:solidFill>
-            </a:endParaRPr>
+              <a:t>Every day</a:t>
+            </a:r>
           </a:p>
         </p:txBody>
       </p:sp>
@@ -6524,7 +8048,7 @@
                   <a:schemeClr val="bg1"/>
                 </a:solidFill>
               </a:rPr>
-              <a:t>1/5</a:t>
+              <a:t>3/3</a:t>
             </a:r>
           </a:p>
         </p:txBody>
@@ -6532,7 +8056,7 @@
     </p:spTree>
     <p:extLst>
       <p:ext uri="{BB962C8B-B14F-4D97-AF65-F5344CB8AC3E}">
-        <p14:creationId xmlns:p14="http://schemas.microsoft.com/office/powerpoint/2010/main" val="335421693"/>
+        <p14:creationId xmlns:p14="http://schemas.microsoft.com/office/powerpoint/2010/main" val="1030849742"/>
       </p:ext>
     </p:extLst>
   </p:cSld>
@@ -6571,8 +8095,8 @@
         </p:nvSpPr>
         <p:spPr>
           <a:xfrm>
-            <a:off x="323528" y="0"/>
-            <a:ext cx="8640960" cy="6669360"/>
+            <a:off x="323528" y="188640"/>
+            <a:ext cx="8640960" cy="6480720"/>
           </a:xfrm>
         </p:spPr>
         <p:txBody>
@@ -6582,63 +8106,42 @@
           <a:lstStyle/>
           <a:p>
             <a:r>
-              <a:rPr lang="en-GB" sz="4800" dirty="0">
-                <a:solidFill>
-                  <a:schemeClr val="bg1"/>
-                </a:solidFill>
-              </a:rPr>
-              <a:t>And nothing else matters</a:t>
-            </a:r>
-          </a:p>
-          <a:p>
-            <a:r>
-              <a:rPr lang="en-GB" sz="4800" dirty="0">
-                <a:solidFill>
-                  <a:schemeClr val="bg1"/>
-                </a:solidFill>
-              </a:rPr>
-              <a:t>Nothing in this world will do</a:t>
-            </a:r>
-          </a:p>
-          <a:p>
-            <a:r>
-              <a:rPr lang="en-GB" sz="4800" dirty="0">
-                <a:solidFill>
-                  <a:schemeClr val="bg1"/>
-                </a:solidFill>
-              </a:rPr>
-              <a:t>Jesus You're the </a:t>
-            </a:r>
-            <a:r>
-              <a:rPr lang="en-GB" sz="4800" dirty="0" err="1">
-                <a:solidFill>
-                  <a:schemeClr val="bg1"/>
-                </a:solidFill>
-              </a:rPr>
-              <a:t>center</a:t>
-            </a:r>
-            <a:endParaRPr lang="en-GB" sz="4800" dirty="0">
-              <a:solidFill>
-                <a:schemeClr val="bg1"/>
-              </a:solidFill>
-            </a:endParaRPr>
-          </a:p>
-          <a:p>
-            <a:r>
-              <a:rPr lang="en-GB" sz="4800" dirty="0" err="1">
-                <a:solidFill>
-                  <a:schemeClr val="bg1"/>
-                </a:solidFill>
-              </a:rPr>
-              <a:t>Ev'rything</a:t>
-            </a:r>
-            <a:r>
-              <a:rPr lang="en-GB" sz="4800" dirty="0">
-                <a:solidFill>
-                  <a:schemeClr val="bg1"/>
-                </a:solidFill>
-              </a:rPr>
-              <a:t> revolves around You Jesus You</a:t>
+              <a:rPr lang="en-GB" sz="5400" dirty="0">
+                <a:solidFill>
+                  <a:schemeClr val="bg1"/>
+                </a:solidFill>
+              </a:rPr>
+              <a:t>And we will say</a:t>
+            </a:r>
+          </a:p>
+          <a:p>
+            <a:r>
+              <a:rPr lang="en-GB" sz="5400" dirty="0">
+                <a:solidFill>
+                  <a:schemeClr val="bg1"/>
+                </a:solidFill>
+              </a:rPr>
+              <a:t>(Our God is Good)</a:t>
+            </a:r>
+          </a:p>
+          <a:p>
+            <a:r>
+              <a:rPr lang="en-GB" sz="5400" dirty="0">
+                <a:solidFill>
+                  <a:schemeClr val="bg1"/>
+                </a:solidFill>
+              </a:rPr>
+              <a:t>His mercies shall</a:t>
+            </a:r>
+          </a:p>
+          <a:p>
+            <a:r>
+              <a:rPr lang="en-GB" sz="5400" dirty="0">
+                <a:solidFill>
+                  <a:schemeClr val="bg1"/>
+                </a:solidFill>
+              </a:rPr>
+              <a:t>(Endure for life)</a:t>
             </a:r>
           </a:p>
         </p:txBody>
@@ -6671,7 +8174,7 @@
                   <a:schemeClr val="bg1"/>
                 </a:solidFill>
               </a:rPr>
-              <a:t>2/5</a:t>
+              <a:t>1/1</a:t>
             </a:r>
           </a:p>
         </p:txBody>
@@ -6679,7 +8182,7 @@
     </p:spTree>
     <p:extLst>
       <p:ext uri="{BB962C8B-B14F-4D97-AF65-F5344CB8AC3E}">
-        <p14:creationId xmlns:p14="http://schemas.microsoft.com/office/powerpoint/2010/main" val="3932131227"/>
+        <p14:creationId xmlns:p14="http://schemas.microsoft.com/office/powerpoint/2010/main" val="3714056234"/>
       </p:ext>
     </p:extLst>
   </p:cSld>
